--- a/azreports.pptx
+++ b/azreports.pptx
@@ -5,44 +5,45 @@
     <p:sldMasterId id="2147483648" r:id="rId1"/>
   </p:sldMasterIdLst>
   <p:notesMasterIdLst>
-    <p:notesMasterId r:id="rId5"/>
+    <p:notesMasterId r:id="rId6"/>
   </p:notesMasterIdLst>
   <p:handoutMasterIdLst>
-    <p:handoutMasterId r:id="rId6"/>
+    <p:handoutMasterId r:id="rId7"/>
   </p:handoutMasterIdLst>
   <p:sldIdLst>
     <p:sldId id="258" r:id="rId3"/>
     <p:sldId id="299" r:id="rId4"/>
+    <p:sldId id="301" r:id="rId5"/>
   </p:sldIdLst>
   <p:sldSz cx="12192000" cy="6858000"/>
   <p:notesSz cx="6858000" cy="9144000"/>
   <p:embeddedFontLst>
     <p:embeddedFont>
       <p:font typeface="Poppins" panose="00000500000000000000" charset="0"/>
-      <p:regular r:id="rId11"/>
-      <p:bold r:id="rId12"/>
-      <p:italic r:id="rId13"/>
-      <p:boldItalic r:id="rId14"/>
+      <p:regular r:id="rId12"/>
+      <p:bold r:id="rId13"/>
+      <p:italic r:id="rId14"/>
+      <p:boldItalic r:id="rId15"/>
     </p:embeddedFont>
     <p:embeddedFont>
       <p:font typeface="Poppins SemiBold" panose="00000700000000000000" charset="0"/>
-      <p:bold r:id="rId15"/>
+      <p:bold r:id="rId16"/>
+    </p:embeddedFont>
+    <p:embeddedFont>
+      <p:font typeface="Calibri Light" panose="020F0302020204030204" charset="0"/>
+      <p:regular r:id="rId17"/>
+      <p:italic r:id="rId18"/>
     </p:embeddedFont>
     <p:embeddedFont>
       <p:font typeface="Calibri" panose="020F0502020204030204" charset="0"/>
-      <p:regular r:id="rId16"/>
-      <p:bold r:id="rId17"/>
-      <p:italic r:id="rId18"/>
-      <p:boldItalic r:id="rId19"/>
-    </p:embeddedFont>
-    <p:embeddedFont>
-      <p:font typeface="Calibri Light" panose="020F0302020204030204" charset="0"/>
-      <p:regular r:id="rId20"/>
+      <p:regular r:id="rId19"/>
+      <p:bold r:id="rId20"/>
       <p:italic r:id="rId21"/>
+      <p:boldItalic r:id="rId22"/>
     </p:embeddedFont>
   </p:embeddedFontLst>
   <p:custDataLst>
-    <p:tags r:id="rId22"/>
+    <p:tags r:id="rId23"/>
   </p:custDataLst>
   <p:defaultTextStyle>
     <a:defPPr>
@@ -2833,7 +2834,7 @@
         </p:nvSpPr>
         <p:spPr>
           <a:xfrm>
-            <a:off x="824230" y="475615"/>
+            <a:off x="824230" y="218440"/>
             <a:ext cx="10543540" cy="706755"/>
           </a:xfrm>
           <a:prstGeom prst="rect">
@@ -2883,7 +2884,7 @@
         </p:nvSpPr>
         <p:spPr>
           <a:xfrm>
-            <a:off x="866775" y="3338830"/>
+            <a:off x="823595" y="2966085"/>
             <a:ext cx="10544175" cy="748030"/>
           </a:xfrm>
           <a:prstGeom prst="rect">
@@ -2913,7 +2914,7 @@
                 <a:ea typeface="Poppins" panose="00000500000000000000" charset="0"/>
                 <a:cs typeface="Arial" panose="020B0604020202020204" pitchFamily="34" charset="0"/>
               </a:rPr>
-              <a:t>A AZReports tem como objetivo a economia de tempo, e automatização de tarefas relacionadas ao checklist diario e os reports necessários para o MatterMost &amp; Teams ou qualquer outra plataforma no futuro. Está sendo desenvolvida com a linguagem de programação C++ no visual studio code.</a:t>
+              <a:t>O AZReports tem como objetivo a economia de tempo, e automatização de tarefas relacionadas ao checklist diario e os reports necessários para o MatterMost e outras plataformas no futuro. Está sendo desenvolvida com a linguagem de programação C++ no visual studio code.</a:t>
             </a:r>
             <a:endParaRPr lang="en-US" sz="1200">
               <a:solidFill>
@@ -2937,8 +2938,8 @@
         </p:nvSpPr>
         <p:spPr>
           <a:xfrm>
-            <a:off x="866775" y="4356735"/>
-            <a:ext cx="10544175" cy="2343150"/>
+            <a:off x="824230" y="3945255"/>
+            <a:ext cx="10544175" cy="2617470"/>
           </a:xfrm>
           <a:prstGeom prst="rect">
             <a:avLst/>
@@ -2999,7 +3000,7 @@
                 <a:ea typeface="Poppins" panose="00000500000000000000" charset="0"/>
                 <a:cs typeface="Arial" panose="020B0604020202020204" pitchFamily="34" charset="0"/>
               </a:rPr>
-              <a:t>- Analise ou Consulta de item, seja VMWare, Unidade, Container_Name ou o IP do item, após inserir um ou mais, será exibida a informação de cada um deles. </a:t>
+              <a:t>- Analise ou Consulta de item, seja Servidor, VMWare, Unidade, Container_Name ou o IP do item, após inserir um ou mais, será exibida a informação de cada um deles com base nas informações contidas na wiki da AZCorp.</a:t>
             </a:r>
             <a:endParaRPr lang="en-US" sz="1200">
               <a:solidFill>
@@ -3049,7 +3050,7 @@
                 <a:ea typeface="Poppins" panose="00000500000000000000" charset="0"/>
                 <a:cs typeface="Arial" panose="020B0604020202020204" pitchFamily="34" charset="0"/>
               </a:rPr>
-              <a:t>- Gerador de Report, inserir um ou mais itens conforme descrito acima, e para cada qual passar as informações do problema que ocorreu (ou não), após isso será gerado o texto do report na sua clipboard (Ctrl + C) para o uso desejado.</a:t>
+              <a:t>- Gerador de Report normalizado ou não: Inserir um ou mais itens conforme descrito acima, e para cada qual passar as informações do problema que ocorreu (ou não), após isso será gerado o texto do report na sua clipboard (Ctrl + C) para o uso desejado.</a:t>
             </a:r>
             <a:endParaRPr lang="en-US" sz="1200">
               <a:solidFill>
@@ -3100,7 +3101,7 @@
                 <a:cs typeface="Arial" panose="020B0604020202020204" pitchFamily="34" charset="0"/>
                 <a:sym typeface="+mn-ea"/>
               </a:rPr>
-              <a:t>- Futuramente será adicionada uma função para além do texto do report no Mattermost, ser gerado textos para o Teams, ou seja avisar tanto o cliente quanto o nosso sistema de comunicação Mattermost do problema.</a:t>
+              <a:t>- Saber a solução de cada problema, outra vantagem do uso desta ferramenta, é que a solução já está contida no programa, ou seja economizando tempo e evitando perguntas desnecessárias. As soluções que não estiverem disponíveis poderão ser adicionadas ao programa e uma atualização será lançada. futuramente tenho a intenção de que o próprio usuario poderá adicionar soluções sem necessidade de atualização.</a:t>
             </a:r>
             <a:endParaRPr lang="en-US" sz="1200">
               <a:solidFill>
@@ -3116,6 +3117,30 @@
           </a:p>
         </p:txBody>
       </p:sp>
+      <p:pic>
+        <p:nvPicPr>
+          <p:cNvPr id="4" name="Imagem 3" descr="azr icon"/>
+          <p:cNvPicPr>
+            <a:picLocks noChangeAspect="1"/>
+          </p:cNvPicPr>
+          <p:nvPr/>
+        </p:nvPicPr>
+        <p:blipFill>
+          <a:blip r:embed="rId1"/>
+          <a:stretch>
+            <a:fillRect/>
+          </a:stretch>
+        </p:blipFill>
+        <p:spPr>
+          <a:xfrm>
+            <a:off x="5459730" y="1222375"/>
+            <a:ext cx="1272540" cy="1395095"/>
+          </a:xfrm>
+          <a:prstGeom prst="rect">
+            <a:avLst/>
+          </a:prstGeom>
+        </p:spPr>
+      </p:pic>
     </p:spTree>
   </p:cSld>
   <p:clrMapOvr>
@@ -3200,7 +3225,7 @@
         <p:spPr>
           <a:xfrm>
             <a:off x="739775" y="1881505"/>
-            <a:ext cx="10544175" cy="1226820"/>
+            <a:ext cx="10544175" cy="1475105"/>
           </a:xfrm>
           <a:prstGeom prst="rect">
             <a:avLst/>
@@ -3229,7 +3254,7 @@
                 <a:ea typeface="Poppins" panose="00000500000000000000" charset="0"/>
                 <a:cs typeface="Arial" panose="020B0604020202020204" pitchFamily="34" charset="0"/>
               </a:rPr>
-              <a:t>Uma das ideias bem ambiciosas que tive, e sei que é possível de se tornar realidade, é um checklist totalmente automatico.</a:t>
+              <a:t>A ideia é bem ambiciosa, mas é possível de se tornar realidade, um checklist totalmente automatico.</a:t>
             </a:r>
             <a:endParaRPr lang="en-US" sz="1200">
               <a:solidFill>
@@ -3261,7 +3286,7 @@
                 <a:ea typeface="Poppins" panose="00000500000000000000" charset="0"/>
                 <a:cs typeface="Arial" panose="020B0604020202020204" pitchFamily="34" charset="0"/>
               </a:rPr>
-              <a:t>Utilizando as ferramentas de monitoramento (como prometheus e elastic) coletar suas informações, passar para um codigo em C++ e dali criar notificações com sons, e além disso também seria possível gerar os textos automaticamente e postalos automaticamente</a:t>
+              <a:t>Utilizando as ferramentas de monitoramento (como prometheus e elastic e os alertas) coletar suas informações, passar para um codigo e dali criar notificações com sons e outros tipos de notificações, e além disso também seria possível gerar os textos automaticamente e postar os mesmos automaticamente em cada plataforma desejada. Algo como “Foi detectado ordem de serviço que passou dos 40min deseja reportar?” O report seria gerado automaticamente na plataforma de comunicação necessária.</a:t>
             </a:r>
             <a:endParaRPr lang="en-US" sz="1200">
               <a:solidFill>
@@ -3275,70 +3300,6 @@
               <a:cs typeface="Arial" panose="020B0604020202020204" pitchFamily="34" charset="0"/>
             </a:endParaRPr>
           </a:p>
-          <a:p>
-            <a:pPr algn="ctr">
-              <a:lnSpc>
-                <a:spcPct val="120000"/>
-              </a:lnSpc>
-            </a:pPr>
-            <a:r>
-              <a:rPr lang="en-US" sz="1200">
-                <a:solidFill>
-                  <a:schemeClr val="tx1">
-                    <a:lumMod val="85000"/>
-                    <a:lumOff val="15000"/>
-                  </a:schemeClr>
-                </a:solidFill>
-                <a:latin typeface="Poppins" panose="00000500000000000000" charset="0"/>
-                <a:ea typeface="Poppins" panose="00000500000000000000" charset="0"/>
-                <a:cs typeface="Arial" panose="020B0604020202020204" pitchFamily="34" charset="0"/>
-              </a:rPr>
-              <a:t>no Mattermost com base nessas notificações, algo como “Foi detectado ordem de serviço que passou dos 40min deseja reportar?”</a:t>
-            </a:r>
-            <a:endParaRPr lang="en-US" sz="1200">
-              <a:solidFill>
-                <a:schemeClr val="tx1">
-                  <a:lumMod val="85000"/>
-                  <a:lumOff val="15000"/>
-                </a:schemeClr>
-              </a:solidFill>
-              <a:latin typeface="Poppins" panose="00000500000000000000" charset="0"/>
-              <a:ea typeface="Poppins" panose="00000500000000000000" charset="0"/>
-              <a:cs typeface="Arial" panose="020B0604020202020204" pitchFamily="34" charset="0"/>
-            </a:endParaRPr>
-          </a:p>
-          <a:p>
-            <a:pPr algn="ctr">
-              <a:lnSpc>
-                <a:spcPct val="120000"/>
-              </a:lnSpc>
-            </a:pPr>
-            <a:r>
-              <a:rPr lang="en-US" sz="1200">
-                <a:solidFill>
-                  <a:schemeClr val="tx1">
-                    <a:lumMod val="85000"/>
-                    <a:lumOff val="15000"/>
-                  </a:schemeClr>
-                </a:solidFill>
-                <a:latin typeface="Poppins" panose="00000500000000000000" charset="0"/>
-                <a:ea typeface="Poppins" panose="00000500000000000000" charset="0"/>
-                <a:cs typeface="Arial" panose="020B0604020202020204" pitchFamily="34" charset="0"/>
-              </a:rPr>
-              <a:t>ai basta você clicar em um botão e o report é gerado automaticamente na plataforma de comunicação.</a:t>
-            </a:r>
-            <a:endParaRPr lang="en-US" sz="1200">
-              <a:solidFill>
-                <a:schemeClr val="tx1">
-                  <a:lumMod val="85000"/>
-                  <a:lumOff val="15000"/>
-                </a:schemeClr>
-              </a:solidFill>
-              <a:latin typeface="Poppins" panose="00000500000000000000" charset="0"/>
-              <a:ea typeface="Poppins" panose="00000500000000000000" charset="0"/>
-              <a:cs typeface="Arial" panose="020B0604020202020204" pitchFamily="34" charset="0"/>
-            </a:endParaRPr>
-          </a:p>
         </p:txBody>
       </p:sp>
       <p:sp>
@@ -3350,7 +3311,7 @@
         <p:spPr>
           <a:xfrm>
             <a:off x="866775" y="3736340"/>
-            <a:ext cx="10544175" cy="3016885"/>
+            <a:ext cx="10544175" cy="1750695"/>
           </a:xfrm>
           <a:prstGeom prst="rect">
             <a:avLst/>
@@ -3411,7 +3372,7 @@
                 <a:ea typeface="Poppins" panose="00000500000000000000" charset="0"/>
                 <a:cs typeface="Arial" panose="020B0604020202020204" pitchFamily="34" charset="0"/>
               </a:rPr>
-              <a:t>Isso é muito importante para evolução da ferramenta, qualquer tipo de feedback é valido e será muito bem recebido. Algo a ser corrigido, alterado, tem uma ideia (pequena ou ambiciosa)? manda pra nois!</a:t>
+              <a:t>Isso é muito importante para evolução da ferramenta, qualquer tipo de feedback é valido e será muito bem recebido. Algo a ser corrigido, alterado, tem uma ideia (pequena ou ambiciosa)? manda pra gente.</a:t>
             </a:r>
             <a:endParaRPr lang="en-US" sz="1200">
               <a:solidFill>
@@ -3427,6 +3388,345 @@
           </a:p>
         </p:txBody>
       </p:sp>
+    </p:spTree>
+  </p:cSld>
+  <p:clrMapOvr>
+    <a:masterClrMapping/>
+  </p:clrMapOvr>
+  <p:transition advTm="1124"/>
+</p:sld>
+</file>
+
+<file path=ppt/slides/slide3.xml><?xml version="1.0" encoding="utf-8"?>
+<p:sld xmlns:a="http://schemas.openxmlformats.org/drawingml/2006/main" xmlns:r="http://schemas.openxmlformats.org/officeDocument/2006/relationships" xmlns:p="http://schemas.openxmlformats.org/presentationml/2006/main">
+  <p:cSld>
+    <p:bg>
+      <p:bgPr>
+        <a:noFill/>
+        <a:effectLst/>
+      </p:bgPr>
+    </p:bg>
+    <p:spTree>
+      <p:nvGrpSpPr>
+        <p:cNvPr id="1" name=""/>
+        <p:cNvGrpSpPr/>
+        <p:nvPr/>
+      </p:nvGrpSpPr>
+      <p:grpSpPr/>
+      <p:sp>
+        <p:nvSpPr>
+          <p:cNvPr id="2" name="Text Box 1"/>
+          <p:cNvSpPr txBox="1"/>
+          <p:nvPr/>
+        </p:nvSpPr>
+        <p:spPr>
+          <a:xfrm>
+            <a:off x="824230" y="262890"/>
+            <a:ext cx="10543540" cy="521970"/>
+          </a:xfrm>
+          <a:prstGeom prst="rect">
+            <a:avLst/>
+          </a:prstGeom>
+          <a:noFill/>
+        </p:spPr>
+        <p:txBody>
+          <a:bodyPr wrap="square" rtlCol="0">
+            <a:spAutoFit/>
+          </a:bodyPr>
+          <a:p>
+            <a:pPr algn="ctr"/>
+            <a:r>
+              <a:rPr lang="en-US" sz="2800">
+                <a:solidFill>
+                  <a:schemeClr val="tx1">
+                    <a:lumMod val="85000"/>
+                    <a:lumOff val="15000"/>
+                  </a:schemeClr>
+                </a:solidFill>
+                <a:latin typeface="Poppins SemiBold" panose="00000700000000000000" charset="0"/>
+                <a:ea typeface="Poppins" panose="00000500000000000000" charset="0"/>
+                <a:cs typeface="Poppins SemiBold" panose="00000700000000000000" charset="0"/>
+              </a:rPr>
+              <a:t>Arquivos utilizados + Download no GitHub</a:t>
+            </a:r>
+            <a:endParaRPr lang="en-US" sz="2800">
+              <a:solidFill>
+                <a:schemeClr val="tx1">
+                  <a:lumMod val="85000"/>
+                  <a:lumOff val="15000"/>
+                </a:schemeClr>
+              </a:solidFill>
+              <a:latin typeface="Poppins SemiBold" panose="00000700000000000000" charset="0"/>
+              <a:ea typeface="Poppins" panose="00000500000000000000" charset="0"/>
+              <a:cs typeface="Poppins SemiBold" panose="00000700000000000000" charset="0"/>
+            </a:endParaRPr>
+          </a:p>
+        </p:txBody>
+      </p:sp>
+      <p:sp>
+        <p:nvSpPr>
+          <p:cNvPr id="3" name="Text Box 2"/>
+          <p:cNvSpPr txBox="1"/>
+          <p:nvPr/>
+        </p:nvSpPr>
+        <p:spPr>
+          <a:xfrm>
+            <a:off x="739775" y="1004570"/>
+            <a:ext cx="10544175" cy="1475105"/>
+          </a:xfrm>
+          <a:prstGeom prst="rect">
+            <a:avLst/>
+          </a:prstGeom>
+          <a:noFill/>
+        </p:spPr>
+        <p:txBody>
+          <a:bodyPr wrap="square" rtlCol="0">
+            <a:noAutofit/>
+          </a:bodyPr>
+          <a:p>
+            <a:pPr algn="ctr">
+              <a:lnSpc>
+                <a:spcPct val="120000"/>
+              </a:lnSpc>
+            </a:pPr>
+            <a:r>
+              <a:rPr lang="en-US" sz="1200">
+                <a:solidFill>
+                  <a:schemeClr val="tx1">
+                    <a:lumMod val="85000"/>
+                    <a:lumOff val="15000"/>
+                  </a:schemeClr>
+                </a:solidFill>
+                <a:latin typeface="Poppins" panose="00000500000000000000" charset="0"/>
+                <a:ea typeface="Poppins" panose="00000500000000000000" charset="0"/>
+                <a:cs typeface="Arial" panose="020B0604020202020204" pitchFamily="34" charset="0"/>
+              </a:rPr>
+              <a:t>A ideia é bem ambiciosa, mas é possível de se tornar realidade, um checklist totalmente automatico.</a:t>
+            </a:r>
+            <a:endParaRPr lang="en-US" sz="1200">
+              <a:solidFill>
+                <a:schemeClr val="tx1">
+                  <a:lumMod val="85000"/>
+                  <a:lumOff val="15000"/>
+                </a:schemeClr>
+              </a:solidFill>
+              <a:latin typeface="Poppins" panose="00000500000000000000" charset="0"/>
+              <a:ea typeface="Poppins" panose="00000500000000000000" charset="0"/>
+              <a:cs typeface="Arial" panose="020B0604020202020204" pitchFamily="34" charset="0"/>
+            </a:endParaRPr>
+          </a:p>
+          <a:p>
+            <a:pPr algn="ctr">
+              <a:lnSpc>
+                <a:spcPct val="120000"/>
+              </a:lnSpc>
+            </a:pPr>
+            <a:r>
+              <a:rPr lang="en-US" sz="1200">
+                <a:solidFill>
+                  <a:schemeClr val="tx1">
+                    <a:lumMod val="85000"/>
+                    <a:lumOff val="15000"/>
+                  </a:schemeClr>
+                </a:solidFill>
+                <a:latin typeface="Poppins" panose="00000500000000000000" charset="0"/>
+                <a:ea typeface="Poppins" panose="00000500000000000000" charset="0"/>
+                <a:cs typeface="Arial" panose="020B0604020202020204" pitchFamily="34" charset="0"/>
+              </a:rPr>
+              <a:t>Utilizando as ferramentas de monitoramento (como prometheus e elastic e os alertas) coletar suas informações, passar para um codigo e dali criar notificações com sons e outros tipos de notificações, e além disso também seria possível gerar os textos automaticamente e postar os mesmos automaticamente em cada plataforma desejada. Algo como “Foi detectado ordem de serviço que passou dos 40min deseja reportar?” O report seria gerado automaticamente na plataforma de comunicação necessária.</a:t>
+            </a:r>
+            <a:endParaRPr lang="en-US" sz="1200">
+              <a:solidFill>
+                <a:schemeClr val="tx1">
+                  <a:lumMod val="85000"/>
+                  <a:lumOff val="15000"/>
+                </a:schemeClr>
+              </a:solidFill>
+              <a:latin typeface="Poppins" panose="00000500000000000000" charset="0"/>
+              <a:ea typeface="Poppins" panose="00000500000000000000" charset="0"/>
+              <a:cs typeface="Arial" panose="020B0604020202020204" pitchFamily="34" charset="0"/>
+            </a:endParaRPr>
+          </a:p>
+        </p:txBody>
+      </p:sp>
+      <p:sp>
+        <p:nvSpPr>
+          <p:cNvPr id="6" name="Text Box 2"/>
+          <p:cNvSpPr txBox="1"/>
+          <p:nvPr/>
+        </p:nvSpPr>
+        <p:spPr>
+          <a:xfrm>
+            <a:off x="4436110" y="2479675"/>
+            <a:ext cx="7080885" cy="2078355"/>
+          </a:xfrm>
+          <a:prstGeom prst="rect">
+            <a:avLst/>
+          </a:prstGeom>
+          <a:noFill/>
+        </p:spPr>
+        <p:txBody>
+          <a:bodyPr wrap="square" rtlCol="0">
+            <a:noAutofit/>
+          </a:bodyPr>
+          <a:p>
+            <a:pPr algn="l">
+              <a:lnSpc>
+                <a:spcPct val="120000"/>
+              </a:lnSpc>
+            </a:pPr>
+            <a:r>
+              <a:rPr lang="en-US" sz="1200">
+                <a:solidFill>
+                  <a:schemeClr val="tx1">
+                    <a:lumMod val="85000"/>
+                    <a:lumOff val="15000"/>
+                  </a:schemeClr>
+                </a:solidFill>
+                <a:latin typeface="Poppins" panose="00000500000000000000" charset="0"/>
+                <a:ea typeface="Poppins" panose="00000500000000000000" charset="0"/>
+                <a:cs typeface="Arial" panose="020B0604020202020204" pitchFamily="34" charset="0"/>
+              </a:rPr>
+              <a:t>Os itens marcados com vermelho, serão os utilizados pelo programa, os demais fazem parte do desenvolvimento / compilação e outros.</a:t>
+            </a:r>
+            <a:endParaRPr lang="en-US" sz="1200">
+              <a:solidFill>
+                <a:schemeClr val="tx1">
+                  <a:lumMod val="85000"/>
+                  <a:lumOff val="15000"/>
+                </a:schemeClr>
+              </a:solidFill>
+              <a:latin typeface="Poppins" panose="00000500000000000000" charset="0"/>
+              <a:ea typeface="Poppins" panose="00000500000000000000" charset="0"/>
+              <a:cs typeface="Arial" panose="020B0604020202020204" pitchFamily="34" charset="0"/>
+            </a:endParaRPr>
+          </a:p>
+          <a:p>
+            <a:pPr algn="l">
+              <a:lnSpc>
+                <a:spcPct val="120000"/>
+              </a:lnSpc>
+            </a:pPr>
+            <a:endParaRPr lang="en-US" sz="1200">
+              <a:solidFill>
+                <a:schemeClr val="tx1">
+                  <a:lumMod val="85000"/>
+                  <a:lumOff val="15000"/>
+                </a:schemeClr>
+              </a:solidFill>
+              <a:latin typeface="Poppins" panose="00000500000000000000" charset="0"/>
+              <a:ea typeface="Poppins" panose="00000500000000000000" charset="0"/>
+              <a:cs typeface="Arial" panose="020B0604020202020204" pitchFamily="34" charset="0"/>
+            </a:endParaRPr>
+          </a:p>
+          <a:p>
+            <a:pPr algn="l">
+              <a:lnSpc>
+                <a:spcPct val="120000"/>
+              </a:lnSpc>
+            </a:pPr>
+            <a:r>
+              <a:rPr lang="en-US" sz="1200">
+                <a:solidFill>
+                  <a:schemeClr val="tx1">
+                    <a:lumMod val="85000"/>
+                    <a:lumOff val="15000"/>
+                  </a:schemeClr>
+                </a:solidFill>
+                <a:latin typeface="Poppins" panose="00000500000000000000" charset="0"/>
+                <a:ea typeface="Poppins" panose="00000500000000000000" charset="0"/>
+                <a:cs typeface="Arial" panose="020B0604020202020204" pitchFamily="34" charset="0"/>
+              </a:rPr>
+              <a:t>O programa possúi um arquivo .exe (executavel) e vários arquivos .txt (de texto) onde ficam armazenadas as informações do programa (futuramente será utilziado um banco de dados para isso).</a:t>
+            </a:r>
+            <a:endParaRPr lang="en-US" sz="1200">
+              <a:solidFill>
+                <a:schemeClr val="tx1">
+                  <a:lumMod val="85000"/>
+                  <a:lumOff val="15000"/>
+                </a:schemeClr>
+              </a:solidFill>
+              <a:latin typeface="Poppins" panose="00000500000000000000" charset="0"/>
+              <a:ea typeface="Poppins" panose="00000500000000000000" charset="0"/>
+              <a:cs typeface="Arial" panose="020B0604020202020204" pitchFamily="34" charset="0"/>
+            </a:endParaRPr>
+          </a:p>
+          <a:p>
+            <a:pPr algn="l">
+              <a:lnSpc>
+                <a:spcPct val="120000"/>
+              </a:lnSpc>
+            </a:pPr>
+            <a:endParaRPr lang="en-US" sz="1200">
+              <a:solidFill>
+                <a:schemeClr val="tx1">
+                  <a:lumMod val="85000"/>
+                  <a:lumOff val="15000"/>
+                </a:schemeClr>
+              </a:solidFill>
+              <a:latin typeface="Poppins" panose="00000500000000000000" charset="0"/>
+              <a:ea typeface="Poppins" panose="00000500000000000000" charset="0"/>
+              <a:cs typeface="Arial" panose="020B0604020202020204" pitchFamily="34" charset="0"/>
+            </a:endParaRPr>
+          </a:p>
+          <a:p>
+            <a:pPr algn="l">
+              <a:lnSpc>
+                <a:spcPct val="120000"/>
+              </a:lnSpc>
+            </a:pPr>
+            <a:r>
+              <a:rPr lang="en-US" sz="1200">
+                <a:solidFill>
+                  <a:schemeClr val="tx1">
+                    <a:lumMod val="85000"/>
+                    <a:lumOff val="15000"/>
+                  </a:schemeClr>
+                </a:solidFill>
+                <a:latin typeface="Poppins" panose="00000500000000000000" charset="0"/>
+                <a:ea typeface="Poppins" panose="00000500000000000000" charset="0"/>
+                <a:cs typeface="Arial" panose="020B0604020202020204" pitchFamily="34" charset="0"/>
+              </a:rPr>
+              <a:t>Basta executar o arquivo AZReports.exe para inicializar a ferramenta.</a:t>
+            </a:r>
+            <a:endParaRPr lang="en-US" sz="1200">
+              <a:solidFill>
+                <a:schemeClr val="tx1">
+                  <a:lumMod val="85000"/>
+                  <a:lumOff val="15000"/>
+                </a:schemeClr>
+              </a:solidFill>
+              <a:latin typeface="Poppins" panose="00000500000000000000" charset="0"/>
+              <a:ea typeface="Poppins" panose="00000500000000000000" charset="0"/>
+              <a:cs typeface="Arial" panose="020B0604020202020204" pitchFamily="34" charset="0"/>
+            </a:endParaRPr>
+          </a:p>
+        </p:txBody>
+      </p:sp>
+      <p:pic>
+        <p:nvPicPr>
+          <p:cNvPr id="4" name="Imagem 3"/>
+          <p:cNvPicPr>
+            <a:picLocks noChangeAspect="1"/>
+          </p:cNvPicPr>
+          <p:nvPr/>
+        </p:nvPicPr>
+        <p:blipFill>
+          <a:blip r:embed="rId1"/>
+          <a:stretch>
+            <a:fillRect/>
+          </a:stretch>
+        </p:blipFill>
+        <p:spPr>
+          <a:xfrm>
+            <a:off x="739775" y="2479675"/>
+            <a:ext cx="3387725" cy="2078990"/>
+          </a:xfrm>
+          <a:prstGeom prst="rect">
+            <a:avLst/>
+          </a:prstGeom>
+        </p:spPr>
+      </p:pic>
     </p:spTree>
   </p:cSld>
   <p:clrMapOvr>

--- a/azreports.pptx
+++ b/azreports.pptx
@@ -5,45 +5,51 @@
     <p:sldMasterId id="2147483648" r:id="rId1"/>
   </p:sldMasterIdLst>
   <p:notesMasterIdLst>
-    <p:notesMasterId r:id="rId6"/>
+    <p:notesMasterId r:id="rId9"/>
   </p:notesMasterIdLst>
   <p:handoutMasterIdLst>
-    <p:handoutMasterId r:id="rId7"/>
+    <p:handoutMasterId r:id="rId13"/>
   </p:handoutMasterIdLst>
   <p:sldIdLst>
     <p:sldId id="258" r:id="rId3"/>
     <p:sldId id="299" r:id="rId4"/>
     <p:sldId id="301" r:id="rId5"/>
+    <p:sldId id="302" r:id="rId6"/>
+    <p:sldId id="303" r:id="rId7"/>
+    <p:sldId id="304" r:id="rId8"/>
+    <p:sldId id="305" r:id="rId10"/>
+    <p:sldId id="306" r:id="rId11"/>
+    <p:sldId id="307" r:id="rId12"/>
   </p:sldIdLst>
   <p:sldSz cx="12192000" cy="6858000"/>
   <p:notesSz cx="6858000" cy="9144000"/>
   <p:embeddedFontLst>
     <p:embeddedFont>
       <p:font typeface="Poppins" panose="00000500000000000000" charset="0"/>
-      <p:regular r:id="rId12"/>
-      <p:bold r:id="rId13"/>
-      <p:italic r:id="rId14"/>
-      <p:boldItalic r:id="rId15"/>
+      <p:regular r:id="rId18"/>
+      <p:bold r:id="rId19"/>
+      <p:italic r:id="rId20"/>
+      <p:boldItalic r:id="rId21"/>
     </p:embeddedFont>
     <p:embeddedFont>
       <p:font typeface="Poppins SemiBold" panose="00000700000000000000" charset="0"/>
-      <p:bold r:id="rId16"/>
+      <p:bold r:id="rId22"/>
     </p:embeddedFont>
     <p:embeddedFont>
       <p:font typeface="Calibri Light" panose="020F0302020204030204" charset="0"/>
-      <p:regular r:id="rId17"/>
-      <p:italic r:id="rId18"/>
+      <p:regular r:id="rId23"/>
+      <p:italic r:id="rId24"/>
     </p:embeddedFont>
     <p:embeddedFont>
       <p:font typeface="Calibri" panose="020F0502020204030204" charset="0"/>
-      <p:regular r:id="rId19"/>
-      <p:bold r:id="rId20"/>
-      <p:italic r:id="rId21"/>
-      <p:boldItalic r:id="rId22"/>
+      <p:regular r:id="rId25"/>
+      <p:bold r:id="rId26"/>
+      <p:italic r:id="rId27"/>
+      <p:boldItalic r:id="rId28"/>
     </p:embeddedFont>
   </p:embeddedFontLst>
   <p:custDataLst>
-    <p:tags r:id="rId23"/>
+    <p:tags r:id="rId29"/>
   </p:custDataLst>
   <p:defaultTextStyle>
     <a:defPPr>
@@ -682,6 +688,94 @@
     </a:lvl9pPr>
   </p:notesStyle>
 </p:notesMaster>
+</file>
+
+<file path=ppt/notesSlides/notesSlide1.xml><?xml version="1.0" encoding="utf-8"?>
+<p:notes xmlns:a="http://schemas.openxmlformats.org/drawingml/2006/main" xmlns:r="http://schemas.openxmlformats.org/officeDocument/2006/relationships" xmlns:p="http://schemas.openxmlformats.org/presentationml/2006/main">
+  <p:cSld>
+    <p:spTree>
+      <p:nvGrpSpPr>
+        <p:cNvPr id="1" name=""/>
+        <p:cNvGrpSpPr/>
+        <p:nvPr/>
+      </p:nvGrpSpPr>
+      <p:grpSpPr/>
+      <p:sp>
+        <p:nvSpPr>
+          <p:cNvPr id="2" name="Espaço Reservado para Imagem de Slide 1"/>
+          <p:cNvSpPr/>
+          <p:nvPr>
+            <p:ph type="sldImg" idx="2"/>
+          </p:nvPr>
+        </p:nvSpPr>
+        <p:spPr/>
+      </p:sp>
+      <p:sp>
+        <p:nvSpPr>
+          <p:cNvPr id="3" name="Espaço Reservado para Texto 2"/>
+          <p:cNvSpPr/>
+          <p:nvPr>
+            <p:ph type="body" idx="3"/>
+          </p:nvPr>
+        </p:nvSpPr>
+        <p:spPr/>
+        <p:txBody>
+          <a:bodyPr/>
+          <a:p>
+            <a:endParaRPr lang="pt-BR" altLang="en-US"/>
+          </a:p>
+        </p:txBody>
+      </p:sp>
+    </p:spTree>
+  </p:cSld>
+  <p:clrMapOvr>
+    <a:masterClrMapping/>
+  </p:clrMapOvr>
+</p:notes>
+</file>
+
+<file path=ppt/notesSlides/notesSlide2.xml><?xml version="1.0" encoding="utf-8"?>
+<p:notes xmlns:a="http://schemas.openxmlformats.org/drawingml/2006/main" xmlns:r="http://schemas.openxmlformats.org/officeDocument/2006/relationships" xmlns:p="http://schemas.openxmlformats.org/presentationml/2006/main">
+  <p:cSld>
+    <p:spTree>
+      <p:nvGrpSpPr>
+        <p:cNvPr id="1" name=""/>
+        <p:cNvGrpSpPr/>
+        <p:nvPr/>
+      </p:nvGrpSpPr>
+      <p:grpSpPr/>
+      <p:sp>
+        <p:nvSpPr>
+          <p:cNvPr id="2" name="Espaço Reservado para Imagem de Slide 1"/>
+          <p:cNvSpPr/>
+          <p:nvPr>
+            <p:ph type="sldImg" idx="2"/>
+          </p:nvPr>
+        </p:nvSpPr>
+        <p:spPr/>
+      </p:sp>
+      <p:sp>
+        <p:nvSpPr>
+          <p:cNvPr id="3" name="Espaço Reservado para Texto 2"/>
+          <p:cNvSpPr/>
+          <p:nvPr>
+            <p:ph type="body" idx="3"/>
+          </p:nvPr>
+        </p:nvSpPr>
+        <p:spPr/>
+        <p:txBody>
+          <a:bodyPr/>
+          <a:p>
+            <a:endParaRPr lang="pt-BR" altLang="en-US"/>
+          </a:p>
+        </p:txBody>
+      </p:sp>
+    </p:spTree>
+  </p:cSld>
+  <p:clrMapOvr>
+    <a:masterClrMapping/>
+  </p:clrMapOvr>
+</p:notes>
 </file>
 
 <file path=ppt/slideLayouts/slideLayout1.xml><?xml version="1.0" encoding="utf-8"?>
@@ -2914,7 +3008,7 @@
                 <a:ea typeface="Poppins" panose="00000500000000000000" charset="0"/>
                 <a:cs typeface="Arial" panose="020B0604020202020204" pitchFamily="34" charset="0"/>
               </a:rPr>
-              <a:t>O AZReports tem como objetivo a economia de tempo, e automatização de tarefas relacionadas ao checklist diario e os reports necessários para o MatterMost e outras plataformas no futuro. Está sendo desenvolvida com a linguagem de programação C++ no visual studio code.</a:t>
+              <a:t>O AZReports tem como objetivo a economia de tempo, e automatização de tarefas relacionadas ao checklist diario e os reports necessários para o MatterMost e outras plataformas no futuro. Está sendo desenvolvida com a linguagem de programação C++ no Visual Studio Code.</a:t>
             </a:r>
             <a:endParaRPr lang="en-US" sz="1200">
               <a:solidFill>
@@ -3311,7 +3405,7 @@
         <p:spPr>
           <a:xfrm>
             <a:off x="866775" y="3736340"/>
-            <a:ext cx="10544175" cy="1750695"/>
+            <a:ext cx="10544175" cy="1015365"/>
           </a:xfrm>
           <a:prstGeom prst="rect">
             <a:avLst/>
@@ -3421,7 +3515,7 @@
         </p:nvSpPr>
         <p:spPr>
           <a:xfrm>
-            <a:off x="824230" y="262890"/>
+            <a:off x="824230" y="105410"/>
             <a:ext cx="10543540" cy="521970"/>
           </a:xfrm>
           <a:prstGeom prst="rect">
@@ -3447,7 +3541,7 @@
                 <a:ea typeface="Poppins" panose="00000500000000000000" charset="0"/>
                 <a:cs typeface="Poppins SemiBold" panose="00000700000000000000" charset="0"/>
               </a:rPr>
-              <a:t>Arquivos utilizados + Download no GitHub</a:t>
+              <a:t>Arquivos utilizados + Download + Abertura inicial</a:t>
             </a:r>
             <a:endParaRPr lang="en-US" sz="2800">
               <a:solidFill>
@@ -3471,7 +3565,7 @@
         </p:nvSpPr>
         <p:spPr>
           <a:xfrm>
-            <a:off x="739775" y="1004570"/>
+            <a:off x="739775" y="697230"/>
             <a:ext cx="10544175" cy="1475105"/>
           </a:xfrm>
           <a:prstGeom prst="rect">
@@ -3557,8 +3651,8 @@
         </p:nvSpPr>
         <p:spPr>
           <a:xfrm>
-            <a:off x="4436110" y="2479675"/>
-            <a:ext cx="7080885" cy="2078355"/>
+            <a:off x="739775" y="2108835"/>
+            <a:ext cx="10972165" cy="1990725"/>
           </a:xfrm>
           <a:prstGeom prst="rect">
             <a:avLst/>
@@ -3572,7 +3666,7 @@
           <a:p>
             <a:pPr algn="l">
               <a:lnSpc>
-                <a:spcPct val="120000"/>
+                <a:spcPct val="90000"/>
               </a:lnSpc>
             </a:pPr>
             <a:r>
@@ -3587,7 +3681,7 @@
                 <a:ea typeface="Poppins" panose="00000500000000000000" charset="0"/>
                 <a:cs typeface="Arial" panose="020B0604020202020204" pitchFamily="34" charset="0"/>
               </a:rPr>
-              <a:t>Os itens marcados com vermelho, serão os utilizados pelo programa, os demais fazem parte do desenvolvimento / compilação e outros.</a:t>
+              <a:t>O programa possúi um arquivo .exe (executavel) e vários arquivos .txt (de texto) onde ficam armazenadas as informações do programa (futuramente será utilziado um banco de dados para isso).</a:t>
             </a:r>
             <a:endParaRPr lang="en-US" sz="1200">
               <a:solidFill>
@@ -3604,7 +3698,7 @@
           <a:p>
             <a:pPr algn="l">
               <a:lnSpc>
-                <a:spcPct val="120000"/>
+                <a:spcPct val="90000"/>
               </a:lnSpc>
             </a:pPr>
             <a:endParaRPr lang="en-US" sz="1200">
@@ -3622,7 +3716,7 @@
           <a:p>
             <a:pPr algn="l">
               <a:lnSpc>
-                <a:spcPct val="120000"/>
+                <a:spcPct val="90000"/>
               </a:lnSpc>
             </a:pPr>
             <a:r>
@@ -3637,7 +3731,7 @@
                 <a:ea typeface="Poppins" panose="00000500000000000000" charset="0"/>
                 <a:cs typeface="Arial" panose="020B0604020202020204" pitchFamily="34" charset="0"/>
               </a:rPr>
-              <a:t>O programa possúi um arquivo .exe (executavel) e vários arquivos .txt (de texto) onde ficam armazenadas as informações do programa (futuramente será utilziado um banco de dados para isso).</a:t>
+              <a:t>Basta executar o arquivo AZReports.exe para inicializar a ferramenta.</a:t>
             </a:r>
             <a:endParaRPr lang="en-US" sz="1200">
               <a:solidFill>
@@ -3654,7 +3748,178 @@
           <a:p>
             <a:pPr algn="l">
               <a:lnSpc>
-                <a:spcPct val="120000"/>
+                <a:spcPct val="90000"/>
+              </a:lnSpc>
+            </a:pPr>
+            <a:r>
+              <a:rPr lang="en-US" sz="1200">
+                <a:solidFill>
+                  <a:schemeClr val="tx1">
+                    <a:lumMod val="85000"/>
+                    <a:lumOff val="15000"/>
+                  </a:schemeClr>
+                </a:solidFill>
+                <a:latin typeface="Poppins" panose="00000500000000000000" charset="0"/>
+                <a:ea typeface="Poppins" panose="00000500000000000000" charset="0"/>
+                <a:cs typeface="Arial" panose="020B0604020202020204" pitchFamily="34" charset="0"/>
+              </a:rPr>
+              <a:t>Link para download &amp; Source (código do programa): clique </a:t>
+            </a:r>
+            <a:r>
+              <a:rPr lang="en-US" sz="1200">
+                <a:solidFill>
+                  <a:schemeClr val="tx1">
+                    <a:lumMod val="85000"/>
+                    <a:lumOff val="15000"/>
+                  </a:schemeClr>
+                </a:solidFill>
+                <a:latin typeface="Poppins" panose="00000500000000000000" charset="0"/>
+                <a:ea typeface="Poppins" panose="00000500000000000000" charset="0"/>
+                <a:cs typeface="Arial" panose="020B0604020202020204" pitchFamily="34" charset="0"/>
+                <a:hlinkClick r:id="rId1" action="ppaction://hlinkfile"/>
+              </a:rPr>
+              <a:t>aqui</a:t>
+            </a:r>
+            <a:r>
+              <a:rPr lang="en-US" sz="1200">
+                <a:solidFill>
+                  <a:schemeClr val="tx1">
+                    <a:lumMod val="85000"/>
+                    <a:lumOff val="15000"/>
+                  </a:schemeClr>
+                </a:solidFill>
+                <a:latin typeface="Poppins" panose="00000500000000000000" charset="0"/>
+                <a:ea typeface="Poppins" panose="00000500000000000000" charset="0"/>
+                <a:cs typeface="Arial" panose="020B0604020202020204" pitchFamily="34" charset="0"/>
+              </a:rPr>
+              <a:t>.</a:t>
+            </a:r>
+            <a:endParaRPr lang="en-US" sz="1200">
+              <a:solidFill>
+                <a:schemeClr val="tx1">
+                  <a:lumMod val="85000"/>
+                  <a:lumOff val="15000"/>
+                </a:schemeClr>
+              </a:solidFill>
+              <a:latin typeface="Poppins" panose="00000500000000000000" charset="0"/>
+              <a:ea typeface="Poppins" panose="00000500000000000000" charset="0"/>
+              <a:cs typeface="Arial" panose="020B0604020202020204" pitchFamily="34" charset="0"/>
+            </a:endParaRPr>
+          </a:p>
+        </p:txBody>
+      </p:sp>
+      <p:pic>
+        <p:nvPicPr>
+          <p:cNvPr id="5" name="Imagem 4"/>
+          <p:cNvPicPr>
+            <a:picLocks noChangeAspect="1"/>
+          </p:cNvPicPr>
+          <p:nvPr/>
+        </p:nvPicPr>
+        <p:blipFill>
+          <a:blip r:embed="rId2"/>
+          <a:stretch>
+            <a:fillRect/>
+          </a:stretch>
+        </p:blipFill>
+        <p:spPr>
+          <a:xfrm>
+            <a:off x="412115" y="3429000"/>
+            <a:ext cx="3514090" cy="2320925"/>
+          </a:xfrm>
+          <a:prstGeom prst="rect">
+            <a:avLst/>
+          </a:prstGeom>
+        </p:spPr>
+      </p:pic>
+      <p:sp>
+        <p:nvSpPr>
+          <p:cNvPr id="7" name="Text Box 2"/>
+          <p:cNvSpPr txBox="1"/>
+          <p:nvPr/>
+        </p:nvSpPr>
+        <p:spPr>
+          <a:xfrm>
+            <a:off x="4093210" y="3371215"/>
+            <a:ext cx="7585710" cy="2491740"/>
+          </a:xfrm>
+          <a:prstGeom prst="rect">
+            <a:avLst/>
+          </a:prstGeom>
+          <a:noFill/>
+        </p:spPr>
+        <p:txBody>
+          <a:bodyPr wrap="square" rtlCol="0">
+            <a:noAutofit/>
+          </a:bodyPr>
+          <a:p>
+            <a:pPr algn="l">
+              <a:lnSpc>
+                <a:spcPct val="110000"/>
+              </a:lnSpc>
+            </a:pPr>
+            <a:r>
+              <a:rPr lang="en-US" sz="1200">
+                <a:solidFill>
+                  <a:schemeClr val="tx1">
+                    <a:lumMod val="85000"/>
+                    <a:lumOff val="15000"/>
+                  </a:schemeClr>
+                </a:solidFill>
+                <a:latin typeface="Poppins" panose="00000500000000000000" charset="0"/>
+                <a:ea typeface="Poppins" panose="00000500000000000000" charset="0"/>
+                <a:cs typeface="Arial" panose="020B0604020202020204" pitchFamily="34" charset="0"/>
+              </a:rPr>
+              <a:t>Esta é a aparência atual do programa no terminal, com 5 opções de uso, podendo ser de multipla escolha, ou seja basta colocar todos os numeros desejados por exemplo (“134”)</a:t>
+            </a:r>
+            <a:endParaRPr lang="en-US" sz="1200">
+              <a:solidFill>
+                <a:schemeClr val="tx1">
+                  <a:lumMod val="85000"/>
+                  <a:lumOff val="15000"/>
+                </a:schemeClr>
+              </a:solidFill>
+              <a:latin typeface="Poppins" panose="00000500000000000000" charset="0"/>
+              <a:ea typeface="Poppins" panose="00000500000000000000" charset="0"/>
+              <a:cs typeface="Arial" panose="020B0604020202020204" pitchFamily="34" charset="0"/>
+            </a:endParaRPr>
+          </a:p>
+          <a:p>
+            <a:pPr algn="l">
+              <a:lnSpc>
+                <a:spcPct val="100000"/>
+              </a:lnSpc>
+            </a:pPr>
+            <a:r>
+              <a:rPr lang="en-US" sz="1200">
+                <a:solidFill>
+                  <a:schemeClr val="tx1">
+                    <a:lumMod val="85000"/>
+                    <a:lumOff val="15000"/>
+                  </a:schemeClr>
+                </a:solidFill>
+                <a:latin typeface="Poppins" panose="00000500000000000000" charset="0"/>
+                <a:ea typeface="Poppins" panose="00000500000000000000" charset="0"/>
+                <a:cs typeface="Arial" panose="020B0604020202020204" pitchFamily="34" charset="0"/>
+              </a:rPr>
+              <a:t>isso fará com que as opções 1 3 e 4 sejam ativadas após pressionar o Enter.</a:t>
+            </a:r>
+            <a:endParaRPr lang="en-US" sz="1200">
+              <a:solidFill>
+                <a:schemeClr val="tx1">
+                  <a:lumMod val="85000"/>
+                  <a:lumOff val="15000"/>
+                </a:schemeClr>
+              </a:solidFill>
+              <a:latin typeface="Poppins" panose="00000500000000000000" charset="0"/>
+              <a:ea typeface="Poppins" panose="00000500000000000000" charset="0"/>
+              <a:cs typeface="Arial" panose="020B0604020202020204" pitchFamily="34" charset="0"/>
+            </a:endParaRPr>
+          </a:p>
+          <a:p>
+            <a:pPr algn="l">
+              <a:lnSpc>
+                <a:spcPct val="100000"/>
               </a:lnSpc>
             </a:pPr>
             <a:endParaRPr lang="en-US" sz="1200">
@@ -3670,11 +3935,27 @@
             </a:endParaRPr>
           </a:p>
           <a:p>
-            <a:pPr algn="l">
+            <a:pPr marL="171450" indent="-171450" algn="l">
               <a:lnSpc>
-                <a:spcPct val="120000"/>
+                <a:spcPct val="100000"/>
               </a:lnSpc>
+              <a:buFont typeface="Arial" panose="020B0604020202020204" pitchFamily="34" charset="0"/>
+              <a:buChar char="•"/>
             </a:pPr>
+            <a:r>
+              <a:rPr lang="en-US" sz="1200" b="1">
+                <a:solidFill>
+                  <a:schemeClr val="tx1">
+                    <a:lumMod val="85000"/>
+                    <a:lumOff val="15000"/>
+                  </a:schemeClr>
+                </a:solidFill>
+                <a:latin typeface="Poppins" panose="00000500000000000000" charset="0"/>
+                <a:ea typeface="Poppins" panose="00000500000000000000" charset="0"/>
+                <a:cs typeface="Arial" panose="020B0604020202020204" pitchFamily="34" charset="0"/>
+              </a:rPr>
+              <a:t>Gerar report normalizado:</a:t>
+            </a:r>
             <a:r>
               <a:rPr lang="en-US" sz="1200">
                 <a:solidFill>
@@ -3687,7 +3968,7 @@
                 <a:ea typeface="Poppins" panose="00000500000000000000" charset="0"/>
                 <a:cs typeface="Arial" panose="020B0604020202020204" pitchFamily="34" charset="0"/>
               </a:rPr>
-              <a:t>Basta executar o arquivo AZReports.exe para inicializar a ferramenta.</a:t>
+              <a:t> criar um report comum, com nenhum problema inserindo a empresa desejada.</a:t>
             </a:r>
             <a:endParaRPr lang="en-US" sz="1200">
               <a:solidFill>
@@ -3699,6 +3980,1620 @@
               <a:latin typeface="Poppins" panose="00000500000000000000" charset="0"/>
               <a:ea typeface="Poppins" panose="00000500000000000000" charset="0"/>
               <a:cs typeface="Arial" panose="020B0604020202020204" pitchFamily="34" charset="0"/>
+            </a:endParaRPr>
+          </a:p>
+          <a:p>
+            <a:pPr marL="171450" indent="-171450" algn="l">
+              <a:lnSpc>
+                <a:spcPct val="110000"/>
+              </a:lnSpc>
+              <a:buFont typeface="Arial" panose="020B0604020202020204" pitchFamily="34" charset="0"/>
+              <a:buChar char="•"/>
+            </a:pPr>
+            <a:r>
+              <a:rPr lang="en-US" sz="1200" b="1">
+                <a:solidFill>
+                  <a:schemeClr val="tx1">
+                    <a:lumMod val="85000"/>
+                    <a:lumOff val="15000"/>
+                  </a:schemeClr>
+                </a:solidFill>
+                <a:latin typeface="Poppins" panose="00000500000000000000" charset="0"/>
+                <a:ea typeface="Poppins" panose="00000500000000000000" charset="0"/>
+                <a:cs typeface="Arial" panose="020B0604020202020204" pitchFamily="34" charset="0"/>
+              </a:rPr>
+              <a:t>Analisar um ou mais itens:</a:t>
+            </a:r>
+            <a:r>
+              <a:rPr lang="en-US" sz="1200">
+                <a:solidFill>
+                  <a:schemeClr val="tx1">
+                    <a:lumMod val="85000"/>
+                    <a:lumOff val="15000"/>
+                  </a:schemeClr>
+                </a:solidFill>
+                <a:latin typeface="Poppins" panose="00000500000000000000" charset="0"/>
+                <a:ea typeface="Poppins" panose="00000500000000000000" charset="0"/>
+                <a:cs typeface="Arial" panose="020B0604020202020204" pitchFamily="34" charset="0"/>
+              </a:rPr>
+              <a:t> Apenas para consulta, você pode inserir qualquer coisa referente a algo, como um Hostname, ip, container_name e etc.</a:t>
+            </a:r>
+            <a:endParaRPr lang="en-US" sz="1200">
+              <a:solidFill>
+                <a:schemeClr val="tx1">
+                  <a:lumMod val="85000"/>
+                  <a:lumOff val="15000"/>
+                </a:schemeClr>
+              </a:solidFill>
+              <a:latin typeface="Poppins" panose="00000500000000000000" charset="0"/>
+              <a:ea typeface="Poppins" panose="00000500000000000000" charset="0"/>
+              <a:cs typeface="Arial" panose="020B0604020202020204" pitchFamily="34" charset="0"/>
+            </a:endParaRPr>
+          </a:p>
+          <a:p>
+            <a:pPr marL="171450" indent="-171450" algn="l">
+              <a:lnSpc>
+                <a:spcPct val="110000"/>
+              </a:lnSpc>
+              <a:buFont typeface="Arial" panose="020B0604020202020204" pitchFamily="34" charset="0"/>
+              <a:buChar char="•"/>
+            </a:pPr>
+            <a:r>
+              <a:rPr lang="en-US" sz="1200" b="1">
+                <a:solidFill>
+                  <a:schemeClr val="tx1">
+                    <a:lumMod val="85000"/>
+                    <a:lumOff val="15000"/>
+                  </a:schemeClr>
+                </a:solidFill>
+                <a:latin typeface="Poppins" panose="00000500000000000000" charset="0"/>
+                <a:ea typeface="Poppins" panose="00000500000000000000" charset="0"/>
+                <a:cs typeface="Arial" panose="020B0604020202020204" pitchFamily="34" charset="0"/>
+              </a:rPr>
+              <a:t>Analisar e Reportar um ou mais itens:</a:t>
+            </a:r>
+            <a:r>
+              <a:rPr lang="en-US" sz="1200">
+                <a:solidFill>
+                  <a:schemeClr val="tx1">
+                    <a:lumMod val="85000"/>
+                    <a:lumOff val="15000"/>
+                  </a:schemeClr>
+                </a:solidFill>
+                <a:latin typeface="Poppins" panose="00000500000000000000" charset="0"/>
+                <a:ea typeface="Poppins" panose="00000500000000000000" charset="0"/>
+                <a:cs typeface="Arial" panose="020B0604020202020204" pitchFamily="34" charset="0"/>
+              </a:rPr>
+              <a:t> com isso você pode gerar o texto de report referente a algum acontecimento em um ou mais itens a sua escolha.</a:t>
+            </a:r>
+            <a:endParaRPr lang="en-US" sz="1200">
+              <a:solidFill>
+                <a:schemeClr val="tx1">
+                  <a:lumMod val="85000"/>
+                  <a:lumOff val="15000"/>
+                </a:schemeClr>
+              </a:solidFill>
+              <a:latin typeface="Poppins" panose="00000500000000000000" charset="0"/>
+              <a:ea typeface="Poppins" panose="00000500000000000000" charset="0"/>
+              <a:cs typeface="Arial" panose="020B0604020202020204" pitchFamily="34" charset="0"/>
+            </a:endParaRPr>
+          </a:p>
+          <a:p>
+            <a:pPr marL="171450" indent="-171450" algn="l">
+              <a:lnSpc>
+                <a:spcPct val="110000"/>
+              </a:lnSpc>
+              <a:buFont typeface="Arial" panose="020B0604020202020204" pitchFamily="34" charset="0"/>
+              <a:buChar char="•"/>
+            </a:pPr>
+            <a:r>
+              <a:rPr lang="en-US" sz="1200" b="1">
+                <a:solidFill>
+                  <a:schemeClr val="tx1">
+                    <a:lumMod val="85000"/>
+                    <a:lumOff val="15000"/>
+                  </a:schemeClr>
+                </a:solidFill>
+                <a:latin typeface="Poppins" panose="00000500000000000000" charset="0"/>
+                <a:ea typeface="Poppins" panose="00000500000000000000" charset="0"/>
+                <a:cs typeface="Arial" panose="020B0604020202020204" pitchFamily="34" charset="0"/>
+              </a:rPr>
+              <a:t>Outros Reports:</a:t>
+            </a:r>
+            <a:r>
+              <a:rPr lang="en-US" sz="1200">
+                <a:solidFill>
+                  <a:schemeClr val="tx1">
+                    <a:lumMod val="85000"/>
+                    <a:lumOff val="15000"/>
+                  </a:schemeClr>
+                </a:solidFill>
+                <a:latin typeface="Poppins" panose="00000500000000000000" charset="0"/>
+                <a:ea typeface="Poppins" panose="00000500000000000000" charset="0"/>
+                <a:cs typeface="Arial" panose="020B0604020202020204" pitchFamily="34" charset="0"/>
+              </a:rPr>
+              <a:t> aqui você encontrará outras abas para report, como Cartões, Ordens de serviço e outras.</a:t>
+            </a:r>
+            <a:endParaRPr lang="en-US" sz="1200">
+              <a:solidFill>
+                <a:schemeClr val="tx1">
+                  <a:lumMod val="85000"/>
+                  <a:lumOff val="15000"/>
+                </a:schemeClr>
+              </a:solidFill>
+              <a:latin typeface="Poppins" panose="00000500000000000000" charset="0"/>
+              <a:ea typeface="Poppins" panose="00000500000000000000" charset="0"/>
+              <a:cs typeface="Arial" panose="020B0604020202020204" pitchFamily="34" charset="0"/>
+            </a:endParaRPr>
+          </a:p>
+        </p:txBody>
+      </p:sp>
+    </p:spTree>
+  </p:cSld>
+  <p:clrMapOvr>
+    <a:masterClrMapping/>
+  </p:clrMapOvr>
+  <p:transition advTm="1124"/>
+</p:sld>
+</file>
+
+<file path=ppt/slides/slide4.xml><?xml version="1.0" encoding="utf-8"?>
+<p:sld xmlns:a="http://schemas.openxmlformats.org/drawingml/2006/main" xmlns:r="http://schemas.openxmlformats.org/officeDocument/2006/relationships" xmlns:p="http://schemas.openxmlformats.org/presentationml/2006/main">
+  <p:cSld>
+    <p:spTree>
+      <p:nvGrpSpPr>
+        <p:cNvPr id="1" name=""/>
+        <p:cNvGrpSpPr/>
+        <p:nvPr/>
+      </p:nvGrpSpPr>
+      <p:grpSpPr/>
+      <p:sp>
+        <p:nvSpPr>
+          <p:cNvPr id="2" name="Caixa de Texto 1"/>
+          <p:cNvSpPr txBox="1"/>
+          <p:nvPr/>
+        </p:nvSpPr>
+        <p:spPr>
+          <a:xfrm>
+            <a:off x="3157855" y="278130"/>
+            <a:ext cx="5875655" cy="406400"/>
+          </a:xfrm>
+          <a:prstGeom prst="rect">
+            <a:avLst/>
+          </a:prstGeom>
+          <a:noFill/>
+        </p:spPr>
+        <p:txBody>
+          <a:bodyPr wrap="square" rtlCol="0">
+            <a:noAutofit/>
+          </a:bodyPr>
+          <a:p>
+            <a:pPr algn="ctr"/>
+            <a:r>
+              <a:rPr lang="en-US" altLang="pt-BR" sz="2400">
+                <a:latin typeface="Poppins SemiBold" panose="00000700000000000000" charset="0"/>
+                <a:cs typeface="Poppins SemiBold" panose="00000700000000000000" charset="0"/>
+              </a:rPr>
+              <a:t>GERAR REPORT NORMALIZADO</a:t>
+            </a:r>
+            <a:endParaRPr lang="en-US" altLang="pt-BR" sz="2400">
+              <a:latin typeface="Poppins SemiBold" panose="00000700000000000000" charset="0"/>
+              <a:cs typeface="Poppins SemiBold" panose="00000700000000000000" charset="0"/>
+            </a:endParaRPr>
+          </a:p>
+        </p:txBody>
+      </p:sp>
+      <p:sp>
+        <p:nvSpPr>
+          <p:cNvPr id="3" name="Caixa de Texto 2"/>
+          <p:cNvSpPr txBox="1"/>
+          <p:nvPr/>
+        </p:nvSpPr>
+        <p:spPr>
+          <a:xfrm>
+            <a:off x="384175" y="859155"/>
+            <a:ext cx="11424285" cy="741045"/>
+          </a:xfrm>
+          <a:prstGeom prst="rect">
+            <a:avLst/>
+          </a:prstGeom>
+          <a:noFill/>
+        </p:spPr>
+        <p:txBody>
+          <a:bodyPr wrap="square" rtlCol="0">
+            <a:noAutofit/>
+          </a:bodyPr>
+          <a:p>
+            <a:pPr algn="ctr"/>
+            <a:r>
+              <a:rPr lang="en-US" altLang="pt-BR" sz="1400">
+                <a:latin typeface="Poppins" panose="00000500000000000000" charset="0"/>
+                <a:cs typeface="Poppins" panose="00000500000000000000" charset="0"/>
+              </a:rPr>
+              <a:t>A 1º e mais simples opção do programa, serve para gerar reports normalizados, ou seja que não envolvem nenhum tipo de incidente ou problema, basta selecionar o checklist desejado e o texto será copiado automaticamente para sua clipboard.</a:t>
+            </a:r>
+            <a:endParaRPr lang="en-US" altLang="pt-BR" sz="1400">
+              <a:latin typeface="Poppins" panose="00000500000000000000" charset="0"/>
+              <a:cs typeface="Poppins" panose="00000500000000000000" charset="0"/>
+            </a:endParaRPr>
+          </a:p>
+        </p:txBody>
+      </p:sp>
+      <p:pic>
+        <p:nvPicPr>
+          <p:cNvPr id="6" name="Imagem 5"/>
+          <p:cNvPicPr>
+            <a:picLocks noChangeAspect="1"/>
+          </p:cNvPicPr>
+          <p:nvPr/>
+        </p:nvPicPr>
+        <p:blipFill>
+          <a:blip r:embed="rId1"/>
+          <a:stretch>
+            <a:fillRect/>
+          </a:stretch>
+        </p:blipFill>
+        <p:spPr>
+          <a:xfrm>
+            <a:off x="1233805" y="1932940"/>
+            <a:ext cx="9725025" cy="4333875"/>
+          </a:xfrm>
+          <a:prstGeom prst="rect">
+            <a:avLst/>
+          </a:prstGeom>
+        </p:spPr>
+      </p:pic>
+    </p:spTree>
+  </p:cSld>
+  <p:clrMapOvr>
+    <a:masterClrMapping/>
+  </p:clrMapOvr>
+</p:sld>
+</file>
+
+<file path=ppt/slides/slide5.xml><?xml version="1.0" encoding="utf-8"?>
+<p:sld xmlns:a="http://schemas.openxmlformats.org/drawingml/2006/main" xmlns:r="http://schemas.openxmlformats.org/officeDocument/2006/relationships" xmlns:p="http://schemas.openxmlformats.org/presentationml/2006/main">
+  <p:cSld>
+    <p:spTree>
+      <p:nvGrpSpPr>
+        <p:cNvPr id="1" name=""/>
+        <p:cNvGrpSpPr/>
+        <p:nvPr/>
+      </p:nvGrpSpPr>
+      <p:grpSpPr/>
+      <p:sp>
+        <p:nvSpPr>
+          <p:cNvPr id="2" name="Caixa de Texto 1"/>
+          <p:cNvSpPr txBox="1"/>
+          <p:nvPr/>
+        </p:nvSpPr>
+        <p:spPr>
+          <a:xfrm>
+            <a:off x="3157855" y="278130"/>
+            <a:ext cx="5875655" cy="406400"/>
+          </a:xfrm>
+          <a:prstGeom prst="rect">
+            <a:avLst/>
+          </a:prstGeom>
+          <a:noFill/>
+        </p:spPr>
+        <p:txBody>
+          <a:bodyPr wrap="square" rtlCol="0">
+            <a:noAutofit/>
+          </a:bodyPr>
+          <a:p>
+            <a:pPr algn="ctr"/>
+            <a:r>
+              <a:rPr lang="en-US" altLang="pt-BR" sz="2400">
+                <a:latin typeface="Poppins SemiBold" panose="00000700000000000000" charset="0"/>
+                <a:cs typeface="Poppins SemiBold" panose="00000700000000000000" charset="0"/>
+              </a:rPr>
+              <a:t>Analisar um ou mais itens</a:t>
+            </a:r>
+            <a:endParaRPr lang="en-US" altLang="pt-BR" sz="2400">
+              <a:latin typeface="Poppins SemiBold" panose="00000700000000000000" charset="0"/>
+              <a:cs typeface="Poppins SemiBold" panose="00000700000000000000" charset="0"/>
+            </a:endParaRPr>
+          </a:p>
+        </p:txBody>
+      </p:sp>
+      <p:sp>
+        <p:nvSpPr>
+          <p:cNvPr id="3" name="Caixa de Texto 2"/>
+          <p:cNvSpPr txBox="1"/>
+          <p:nvPr/>
+        </p:nvSpPr>
+        <p:spPr>
+          <a:xfrm>
+            <a:off x="384175" y="859155"/>
+            <a:ext cx="11424285" cy="741045"/>
+          </a:xfrm>
+          <a:prstGeom prst="rect">
+            <a:avLst/>
+          </a:prstGeom>
+          <a:noFill/>
+        </p:spPr>
+        <p:txBody>
+          <a:bodyPr wrap="square" rtlCol="0">
+            <a:noAutofit/>
+          </a:bodyPr>
+          <a:p>
+            <a:pPr algn="ctr"/>
+            <a:r>
+              <a:rPr lang="en-US" altLang="pt-BR" sz="1400">
+                <a:latin typeface="Poppins" panose="00000500000000000000" charset="0"/>
+                <a:cs typeface="Poppins" panose="00000500000000000000" charset="0"/>
+              </a:rPr>
+              <a:t>Esta opção traz a possibilidade de se extrair todas as informações sobre um ou mais itens presentes na wiki da AZCorp,</a:t>
+            </a:r>
+            <a:endParaRPr lang="en-US" altLang="pt-BR" sz="1400">
+              <a:latin typeface="Poppins" panose="00000500000000000000" charset="0"/>
+              <a:cs typeface="Poppins" panose="00000500000000000000" charset="0"/>
+            </a:endParaRPr>
+          </a:p>
+          <a:p>
+            <a:pPr algn="ctr"/>
+            <a:r>
+              <a:rPr lang="en-US" altLang="pt-BR" sz="1400">
+                <a:latin typeface="Poppins" panose="00000500000000000000" charset="0"/>
+                <a:cs typeface="Poppins" panose="00000500000000000000" charset="0"/>
+              </a:rPr>
+              <a:t>basta adicionalos ao terminal separados por “,” (virgula) e pressionar enter.</a:t>
+            </a:r>
+            <a:endParaRPr lang="en-US" altLang="pt-BR" sz="1400">
+              <a:latin typeface="Poppins" panose="00000500000000000000" charset="0"/>
+              <a:cs typeface="Poppins" panose="00000500000000000000" charset="0"/>
+            </a:endParaRPr>
+          </a:p>
+        </p:txBody>
+      </p:sp>
+      <p:pic>
+        <p:nvPicPr>
+          <p:cNvPr id="4" name="Imagem 3"/>
+          <p:cNvPicPr>
+            <a:picLocks noChangeAspect="1"/>
+          </p:cNvPicPr>
+          <p:nvPr/>
+        </p:nvPicPr>
+        <p:blipFill>
+          <a:blip r:embed="rId1"/>
+          <a:srcRect r="26324"/>
+          <a:stretch>
+            <a:fillRect/>
+          </a:stretch>
+        </p:blipFill>
+        <p:spPr>
+          <a:xfrm>
+            <a:off x="297815" y="2281555"/>
+            <a:ext cx="3506470" cy="1055370"/>
+          </a:xfrm>
+          <a:prstGeom prst="rect">
+            <a:avLst/>
+          </a:prstGeom>
+        </p:spPr>
+      </p:pic>
+      <p:pic>
+        <p:nvPicPr>
+          <p:cNvPr id="5" name="Imagem 4"/>
+          <p:cNvPicPr>
+            <a:picLocks noChangeAspect="1"/>
+          </p:cNvPicPr>
+          <p:nvPr/>
+        </p:nvPicPr>
+        <p:blipFill>
+          <a:blip r:embed="rId2"/>
+          <a:stretch>
+            <a:fillRect/>
+          </a:stretch>
+        </p:blipFill>
+        <p:spPr>
+          <a:xfrm>
+            <a:off x="3958590" y="2281555"/>
+            <a:ext cx="3757295" cy="1055370"/>
+          </a:xfrm>
+          <a:prstGeom prst="rect">
+            <a:avLst/>
+          </a:prstGeom>
+        </p:spPr>
+      </p:pic>
+      <p:sp>
+        <p:nvSpPr>
+          <p:cNvPr id="7" name="Caixa de Texto 6"/>
+          <p:cNvSpPr txBox="1"/>
+          <p:nvPr/>
+        </p:nvSpPr>
+        <p:spPr>
+          <a:xfrm>
+            <a:off x="221615" y="1638300"/>
+            <a:ext cx="11788775" cy="520700"/>
+          </a:xfrm>
+          <a:prstGeom prst="rect">
+            <a:avLst/>
+          </a:prstGeom>
+          <a:noFill/>
+        </p:spPr>
+        <p:txBody>
+          <a:bodyPr wrap="square" rtlCol="0">
+            <a:noAutofit/>
+          </a:bodyPr>
+          <a:p>
+            <a:pPr algn="l"/>
+            <a:r>
+              <a:rPr lang="en-US" altLang="pt-BR" sz="1400">
+                <a:latin typeface="Poppins" panose="00000500000000000000" charset="0"/>
+                <a:cs typeface="Poppins" panose="00000500000000000000" charset="0"/>
+              </a:rPr>
+              <a:t>Neste exemplo iremos analisar três unidades, e duas VMWares, passando ao programa tanto o “Name”, “Container Name” e também o “IP” em ambos os casos tudo irá funcionar como o desejado.</a:t>
+            </a:r>
+            <a:endParaRPr lang="en-US" altLang="pt-BR" sz="1400">
+              <a:latin typeface="Poppins" panose="00000500000000000000" charset="0"/>
+              <a:cs typeface="Poppins" panose="00000500000000000000" charset="0"/>
+            </a:endParaRPr>
+          </a:p>
+        </p:txBody>
+      </p:sp>
+      <p:pic>
+        <p:nvPicPr>
+          <p:cNvPr id="8" name="Imagem 7" descr="Untitled-1"/>
+          <p:cNvPicPr>
+            <a:picLocks noChangeAspect="1"/>
+          </p:cNvPicPr>
+          <p:nvPr/>
+        </p:nvPicPr>
+        <p:blipFill>
+          <a:blip r:embed="rId3"/>
+          <a:stretch>
+            <a:fillRect/>
+          </a:stretch>
+        </p:blipFill>
+        <p:spPr>
+          <a:xfrm>
+            <a:off x="297815" y="4174490"/>
+            <a:ext cx="5810885" cy="2602230"/>
+          </a:xfrm>
+          <a:prstGeom prst="rect">
+            <a:avLst/>
+          </a:prstGeom>
+        </p:spPr>
+      </p:pic>
+      <p:sp>
+        <p:nvSpPr>
+          <p:cNvPr id="9" name="Caixa de Texto 8"/>
+          <p:cNvSpPr txBox="1"/>
+          <p:nvPr/>
+        </p:nvSpPr>
+        <p:spPr>
+          <a:xfrm>
+            <a:off x="222250" y="3552825"/>
+            <a:ext cx="11515725" cy="519430"/>
+          </a:xfrm>
+          <a:prstGeom prst="rect">
+            <a:avLst/>
+          </a:prstGeom>
+          <a:noFill/>
+        </p:spPr>
+        <p:txBody>
+          <a:bodyPr wrap="square" rtlCol="0">
+            <a:noAutofit/>
+          </a:bodyPr>
+          <a:p>
+            <a:pPr algn="l"/>
+            <a:r>
+              <a:rPr lang="en-US" altLang="pt-BR" sz="1400">
+                <a:latin typeface="Poppins" panose="00000500000000000000" charset="0"/>
+                <a:cs typeface="Poppins" panose="00000500000000000000" charset="0"/>
+              </a:rPr>
+              <a:t>Veja nos exemplos abaixo como você pode inserir todos os itens de uma vez independente da ordem ou tipo, cada item separado por virgula, após isso o programa começara a identificar e exibir todas as informações sobre cada item na sua tela.</a:t>
+            </a:r>
+            <a:endParaRPr lang="en-US" altLang="pt-BR" sz="1400">
+              <a:latin typeface="Poppins" panose="00000500000000000000" charset="0"/>
+              <a:cs typeface="Poppins" panose="00000500000000000000" charset="0"/>
+            </a:endParaRPr>
+          </a:p>
+        </p:txBody>
+      </p:sp>
+      <p:pic>
+        <p:nvPicPr>
+          <p:cNvPr id="11" name="Imagem 10" descr="untitled-2"/>
+          <p:cNvPicPr>
+            <a:picLocks noChangeAspect="1"/>
+          </p:cNvPicPr>
+          <p:nvPr/>
+        </p:nvPicPr>
+        <p:blipFill>
+          <a:blip r:embed="rId4"/>
+          <a:stretch>
+            <a:fillRect/>
+          </a:stretch>
+        </p:blipFill>
+        <p:spPr>
+          <a:xfrm>
+            <a:off x="6220460" y="4174490"/>
+            <a:ext cx="5166995" cy="2604770"/>
+          </a:xfrm>
+          <a:prstGeom prst="rect">
+            <a:avLst/>
+          </a:prstGeom>
+        </p:spPr>
+      </p:pic>
+    </p:spTree>
+  </p:cSld>
+  <p:clrMapOvr>
+    <a:masterClrMapping/>
+  </p:clrMapOvr>
+</p:sld>
+</file>
+
+<file path=ppt/slides/slide6.xml><?xml version="1.0" encoding="utf-8"?>
+<p:sld xmlns:a="http://schemas.openxmlformats.org/drawingml/2006/main" xmlns:r="http://schemas.openxmlformats.org/officeDocument/2006/relationships" xmlns:p="http://schemas.openxmlformats.org/presentationml/2006/main">
+  <p:cSld>
+    <p:spTree>
+      <p:nvGrpSpPr>
+        <p:cNvPr id="1" name=""/>
+        <p:cNvGrpSpPr/>
+        <p:nvPr/>
+      </p:nvGrpSpPr>
+      <p:grpSpPr/>
+      <p:sp>
+        <p:nvSpPr>
+          <p:cNvPr id="2" name="Caixa de Texto 1"/>
+          <p:cNvSpPr txBox="1"/>
+          <p:nvPr/>
+        </p:nvSpPr>
+        <p:spPr>
+          <a:xfrm>
+            <a:off x="3157855" y="278130"/>
+            <a:ext cx="5875655" cy="406400"/>
+          </a:xfrm>
+          <a:prstGeom prst="rect">
+            <a:avLst/>
+          </a:prstGeom>
+          <a:noFill/>
+        </p:spPr>
+        <p:txBody>
+          <a:bodyPr wrap="square" rtlCol="0">
+            <a:noAutofit/>
+          </a:bodyPr>
+          <a:p>
+            <a:pPr algn="ctr"/>
+            <a:r>
+              <a:rPr lang="en-US" altLang="pt-BR" sz="2400">
+                <a:latin typeface="Poppins SemiBold" panose="00000700000000000000" charset="0"/>
+                <a:cs typeface="Poppins SemiBold" panose="00000700000000000000" charset="0"/>
+              </a:rPr>
+              <a:t>Após pressionar enter</a:t>
+            </a:r>
+            <a:endParaRPr lang="en-US" altLang="pt-BR" sz="2400">
+              <a:latin typeface="Poppins SemiBold" panose="00000700000000000000" charset="0"/>
+              <a:cs typeface="Poppins SemiBold" panose="00000700000000000000" charset="0"/>
+            </a:endParaRPr>
+          </a:p>
+        </p:txBody>
+      </p:sp>
+      <p:sp>
+        <p:nvSpPr>
+          <p:cNvPr id="3" name="Caixa de Texto 2"/>
+          <p:cNvSpPr txBox="1"/>
+          <p:nvPr/>
+        </p:nvSpPr>
+        <p:spPr>
+          <a:xfrm>
+            <a:off x="384175" y="859155"/>
+            <a:ext cx="11424285" cy="344805"/>
+          </a:xfrm>
+          <a:prstGeom prst="rect">
+            <a:avLst/>
+          </a:prstGeom>
+          <a:noFill/>
+        </p:spPr>
+        <p:txBody>
+          <a:bodyPr wrap="square" rtlCol="0">
+            <a:noAutofit/>
+          </a:bodyPr>
+          <a:p>
+            <a:pPr algn="ctr"/>
+            <a:r>
+              <a:rPr lang="en-US" altLang="pt-BR" sz="1400">
+                <a:latin typeface="Poppins" panose="00000500000000000000" charset="0"/>
+                <a:cs typeface="Poppins" panose="00000500000000000000" charset="0"/>
+              </a:rPr>
+              <a:t>Agora temos a tela de consulta, onde os itens desejados terão suas informações exibidas na tela</a:t>
+            </a:r>
+            <a:endParaRPr lang="en-US" altLang="pt-BR" sz="1400">
+              <a:latin typeface="Poppins" panose="00000500000000000000" charset="0"/>
+              <a:cs typeface="Poppins" panose="00000500000000000000" charset="0"/>
+            </a:endParaRPr>
+          </a:p>
+        </p:txBody>
+      </p:sp>
+      <p:pic>
+        <p:nvPicPr>
+          <p:cNvPr id="4" name="Imagem 3" descr="Untitled-3"/>
+          <p:cNvPicPr>
+            <a:picLocks noChangeAspect="1"/>
+          </p:cNvPicPr>
+          <p:nvPr/>
+        </p:nvPicPr>
+        <p:blipFill>
+          <a:blip r:embed="rId1"/>
+          <a:stretch>
+            <a:fillRect/>
+          </a:stretch>
+        </p:blipFill>
+        <p:spPr>
+          <a:xfrm>
+            <a:off x="832485" y="1378585"/>
+            <a:ext cx="10528300" cy="3924300"/>
+          </a:xfrm>
+          <a:prstGeom prst="rect">
+            <a:avLst/>
+          </a:prstGeom>
+        </p:spPr>
+      </p:pic>
+      <p:sp>
+        <p:nvSpPr>
+          <p:cNvPr id="5" name="Caixa de Texto 4"/>
+          <p:cNvSpPr txBox="1"/>
+          <p:nvPr/>
+        </p:nvSpPr>
+        <p:spPr>
+          <a:xfrm>
+            <a:off x="832485" y="5522595"/>
+            <a:ext cx="10528300" cy="1022985"/>
+          </a:xfrm>
+          <a:prstGeom prst="rect">
+            <a:avLst/>
+          </a:prstGeom>
+          <a:noFill/>
+        </p:spPr>
+        <p:txBody>
+          <a:bodyPr wrap="square" rtlCol="0">
+            <a:noAutofit/>
+          </a:bodyPr>
+          <a:p>
+            <a:pPr marL="285750" indent="-285750" algn="l">
+              <a:lnSpc>
+                <a:spcPct val="90000"/>
+              </a:lnSpc>
+              <a:buFont typeface="Arial" panose="020B0604020202020204" pitchFamily="34" charset="0"/>
+              <a:buChar char="•"/>
+            </a:pPr>
+            <a:r>
+              <a:rPr lang="en-US" altLang="pt-BR" sz="1400" b="1">
+                <a:latin typeface="Poppins" panose="00000500000000000000" charset="0"/>
+                <a:cs typeface="Poppins" panose="00000500000000000000" charset="0"/>
+              </a:rPr>
+              <a:t>informações do item:</a:t>
+            </a:r>
+            <a:r>
+              <a:rPr lang="en-US" altLang="pt-BR" sz="1400">
+                <a:latin typeface="Poppins" panose="00000500000000000000" charset="0"/>
+                <a:cs typeface="Poppins" panose="00000500000000000000" charset="0"/>
+              </a:rPr>
+              <a:t> nesta parte temos descrito o resumo do item com seus detalhes coletados na Wiki da AZCorp.</a:t>
+            </a:r>
+            <a:endParaRPr lang="en-US" altLang="pt-BR" sz="1400">
+              <a:latin typeface="Poppins" panose="00000500000000000000" charset="0"/>
+              <a:cs typeface="Poppins" panose="00000500000000000000" charset="0"/>
+            </a:endParaRPr>
+          </a:p>
+          <a:p>
+            <a:pPr marL="285750" indent="-285750" algn="l">
+              <a:lnSpc>
+                <a:spcPct val="90000"/>
+              </a:lnSpc>
+              <a:buFont typeface="Arial" panose="020B0604020202020204" pitchFamily="34" charset="0"/>
+              <a:buChar char="•"/>
+            </a:pPr>
+            <a:endParaRPr lang="en-US" altLang="pt-BR" sz="1400" b="1">
+              <a:latin typeface="Poppins" panose="00000500000000000000" charset="0"/>
+              <a:cs typeface="Poppins" panose="00000500000000000000" charset="0"/>
+            </a:endParaRPr>
+          </a:p>
+          <a:p>
+            <a:pPr marL="285750" indent="-285750" algn="l">
+              <a:lnSpc>
+                <a:spcPct val="90000"/>
+              </a:lnSpc>
+              <a:buFont typeface="Arial" panose="020B0604020202020204" pitchFamily="34" charset="0"/>
+              <a:buChar char="•"/>
+            </a:pPr>
+            <a:r>
+              <a:rPr lang="en-US" altLang="pt-BR" sz="1400" b="1">
+                <a:latin typeface="Poppins" panose="00000500000000000000" charset="0"/>
+                <a:cs typeface="Poppins" panose="00000500000000000000" charset="0"/>
+              </a:rPr>
+              <a:t>Lista com todos os itens:</a:t>
+            </a:r>
+            <a:r>
+              <a:rPr lang="en-US" altLang="pt-BR" sz="1400">
+                <a:latin typeface="Poppins" panose="00000500000000000000" charset="0"/>
+                <a:cs typeface="Poppins" panose="00000500000000000000" charset="0"/>
+              </a:rPr>
+              <a:t> já aqui temos os itens que o usuario adicionou ao terminal e pressionou o enter. com coloração indicativa do que está sendo analisado e exibido (veja na legenda de cores no canto superior direito.)</a:t>
+            </a:r>
+            <a:endParaRPr lang="en-US" altLang="pt-BR" sz="1400">
+              <a:latin typeface="Poppins" panose="00000500000000000000" charset="0"/>
+              <a:cs typeface="Poppins" panose="00000500000000000000" charset="0"/>
+            </a:endParaRPr>
+          </a:p>
+        </p:txBody>
+      </p:sp>
+    </p:spTree>
+  </p:cSld>
+  <p:clrMapOvr>
+    <a:masterClrMapping/>
+  </p:clrMapOvr>
+</p:sld>
+</file>
+
+<file path=ppt/slides/slide7.xml><?xml version="1.0" encoding="utf-8"?>
+<p:sld xmlns:a="http://schemas.openxmlformats.org/drawingml/2006/main" xmlns:r="http://schemas.openxmlformats.org/officeDocument/2006/relationships" xmlns:p="http://schemas.openxmlformats.org/presentationml/2006/main">
+  <p:cSld>
+    <p:spTree>
+      <p:nvGrpSpPr>
+        <p:cNvPr id="1" name=""/>
+        <p:cNvGrpSpPr/>
+        <p:nvPr/>
+      </p:nvGrpSpPr>
+      <p:grpSpPr/>
+      <p:sp>
+        <p:nvSpPr>
+          <p:cNvPr id="2" name="Caixa de Texto 1"/>
+          <p:cNvSpPr txBox="1"/>
+          <p:nvPr/>
+        </p:nvSpPr>
+        <p:spPr>
+          <a:xfrm>
+            <a:off x="2751455" y="87630"/>
+            <a:ext cx="6689090" cy="406400"/>
+          </a:xfrm>
+          <a:prstGeom prst="rect">
+            <a:avLst/>
+          </a:prstGeom>
+          <a:noFill/>
+        </p:spPr>
+        <p:txBody>
+          <a:bodyPr wrap="square" rtlCol="0">
+            <a:noAutofit/>
+          </a:bodyPr>
+          <a:p>
+            <a:pPr algn="ctr"/>
+            <a:r>
+              <a:rPr lang="en-US" altLang="pt-BR" sz="2400">
+                <a:latin typeface="Poppins SemiBold" panose="00000700000000000000" charset="0"/>
+                <a:cs typeface="Poppins SemiBold" panose="00000700000000000000" charset="0"/>
+              </a:rPr>
+              <a:t>Analisar e Reportar um ou mais itens</a:t>
+            </a:r>
+            <a:endParaRPr lang="en-US" altLang="pt-BR" sz="2400">
+              <a:latin typeface="Poppins SemiBold" panose="00000700000000000000" charset="0"/>
+              <a:cs typeface="Poppins SemiBold" panose="00000700000000000000" charset="0"/>
+            </a:endParaRPr>
+          </a:p>
+        </p:txBody>
+      </p:sp>
+      <p:sp>
+        <p:nvSpPr>
+          <p:cNvPr id="3" name="Caixa de Texto 2"/>
+          <p:cNvSpPr txBox="1"/>
+          <p:nvPr/>
+        </p:nvSpPr>
+        <p:spPr>
+          <a:xfrm>
+            <a:off x="383540" y="551180"/>
+            <a:ext cx="11424285" cy="538480"/>
+          </a:xfrm>
+          <a:prstGeom prst="rect">
+            <a:avLst/>
+          </a:prstGeom>
+          <a:noFill/>
+        </p:spPr>
+        <p:txBody>
+          <a:bodyPr wrap="square" rtlCol="0">
+            <a:noAutofit/>
+          </a:bodyPr>
+          <a:p>
+            <a:pPr algn="ctr"/>
+            <a:r>
+              <a:rPr lang="en-US" altLang="pt-BR" sz="1400">
+                <a:latin typeface="Poppins" panose="00000500000000000000" charset="0"/>
+                <a:cs typeface="Poppins" panose="00000500000000000000" charset="0"/>
+              </a:rPr>
+              <a:t>A função principal do programa, que tem como objetivo economia de tempo e facilidade na hora de resolver os problemas relacionados ao checklist e reports.</a:t>
+            </a:r>
+            <a:endParaRPr lang="en-US" altLang="pt-BR" sz="1400">
+              <a:latin typeface="Poppins" panose="00000500000000000000" charset="0"/>
+              <a:cs typeface="Poppins" panose="00000500000000000000" charset="0"/>
+            </a:endParaRPr>
+          </a:p>
+        </p:txBody>
+      </p:sp>
+      <p:pic>
+        <p:nvPicPr>
+          <p:cNvPr id="6" name="Imagem 5"/>
+          <p:cNvPicPr>
+            <a:picLocks noChangeAspect="1"/>
+          </p:cNvPicPr>
+          <p:nvPr/>
+        </p:nvPicPr>
+        <p:blipFill>
+          <a:blip r:embed="rId1"/>
+          <a:stretch>
+            <a:fillRect/>
+          </a:stretch>
+        </p:blipFill>
+        <p:spPr>
+          <a:xfrm>
+            <a:off x="383540" y="1223645"/>
+            <a:ext cx="3579495" cy="1706880"/>
+          </a:xfrm>
+          <a:prstGeom prst="rect">
+            <a:avLst/>
+          </a:prstGeom>
+        </p:spPr>
+      </p:pic>
+      <p:sp>
+        <p:nvSpPr>
+          <p:cNvPr id="7" name="Caixa de Texto 6"/>
+          <p:cNvSpPr txBox="1"/>
+          <p:nvPr/>
+        </p:nvSpPr>
+        <p:spPr>
+          <a:xfrm>
+            <a:off x="4057650" y="1223645"/>
+            <a:ext cx="7112000" cy="979805"/>
+          </a:xfrm>
+          <a:prstGeom prst="rect">
+            <a:avLst/>
+          </a:prstGeom>
+          <a:noFill/>
+        </p:spPr>
+        <p:txBody>
+          <a:bodyPr wrap="square" rtlCol="0">
+            <a:noAutofit/>
+          </a:bodyPr>
+          <a:p>
+            <a:pPr algn="l"/>
+            <a:r>
+              <a:rPr lang="en-US" altLang="pt-BR" sz="1200">
+                <a:latin typeface="Poppins" panose="00000500000000000000" charset="0"/>
+                <a:cs typeface="Poppins" panose="00000500000000000000" charset="0"/>
+              </a:rPr>
+              <a:t>Veja como a tela é exatamente a mesma da opção 2 (de Analisar um ou mais itens)</a:t>
+            </a:r>
+            <a:endParaRPr lang="en-US" altLang="pt-BR" sz="1200">
+              <a:latin typeface="Poppins" panose="00000500000000000000" charset="0"/>
+              <a:cs typeface="Poppins" panose="00000500000000000000" charset="0"/>
+            </a:endParaRPr>
+          </a:p>
+          <a:p>
+            <a:pPr algn="l"/>
+            <a:endParaRPr lang="en-US" altLang="pt-BR" sz="1200">
+              <a:latin typeface="Poppins" panose="00000500000000000000" charset="0"/>
+              <a:cs typeface="Poppins" panose="00000500000000000000" charset="0"/>
+            </a:endParaRPr>
+          </a:p>
+          <a:p>
+            <a:pPr algn="l"/>
+            <a:r>
+              <a:rPr lang="en-US" altLang="pt-BR" sz="1200">
+                <a:latin typeface="Poppins" panose="00000500000000000000" charset="0"/>
+                <a:cs typeface="Poppins" panose="00000500000000000000" charset="0"/>
+              </a:rPr>
+              <a:t>Neste exemplo iremos consultar e reportar uma </a:t>
+            </a:r>
+            <a:r>
+              <a:rPr lang="en-US" altLang="pt-BR" sz="1200">
+                <a:solidFill>
+                  <a:srgbClr val="00B050"/>
+                </a:solidFill>
+                <a:latin typeface="Poppins" panose="00000500000000000000" charset="0"/>
+                <a:cs typeface="Poppins" panose="00000500000000000000" charset="0"/>
+              </a:rPr>
+              <a:t>Unidade</a:t>
+            </a:r>
+            <a:r>
+              <a:rPr lang="en-US" altLang="pt-BR" sz="1200">
+                <a:latin typeface="Poppins" panose="00000500000000000000" charset="0"/>
+                <a:cs typeface="Poppins" panose="00000500000000000000" charset="0"/>
+              </a:rPr>
+              <a:t> (SRVPTH001APG) e uma </a:t>
+            </a:r>
+            <a:r>
+              <a:rPr lang="en-US" altLang="pt-BR" sz="1200">
+                <a:solidFill>
+                  <a:srgbClr val="00B0F0"/>
+                </a:solidFill>
+                <a:latin typeface="Poppins" panose="00000500000000000000" charset="0"/>
+                <a:cs typeface="Poppins" panose="00000500000000000000" charset="0"/>
+              </a:rPr>
+              <a:t>VMWare</a:t>
+            </a:r>
+            <a:r>
+              <a:rPr lang="en-US" altLang="pt-BR" sz="1200">
+                <a:latin typeface="Poppins" panose="00000500000000000000" charset="0"/>
+                <a:cs typeface="Poppins" panose="00000500000000000000" charset="0"/>
+              </a:rPr>
+              <a:t> (srvhvm04apg)</a:t>
+            </a:r>
+            <a:endParaRPr lang="en-US" altLang="pt-BR" sz="1200">
+              <a:latin typeface="Poppins" panose="00000500000000000000" charset="0"/>
+              <a:cs typeface="Poppins" panose="00000500000000000000" charset="0"/>
+            </a:endParaRPr>
+          </a:p>
+          <a:p>
+            <a:pPr algn="l"/>
+            <a:endParaRPr lang="en-US" altLang="pt-BR" sz="1200">
+              <a:latin typeface="Poppins" panose="00000500000000000000" charset="0"/>
+              <a:cs typeface="Poppins" panose="00000500000000000000" charset="0"/>
+            </a:endParaRPr>
+          </a:p>
+          <a:p>
+            <a:pPr algn="l"/>
+            <a:endParaRPr lang="en-US" altLang="pt-BR" sz="1200">
+              <a:latin typeface="Poppins" panose="00000500000000000000" charset="0"/>
+              <a:cs typeface="Poppins" panose="00000500000000000000" charset="0"/>
+            </a:endParaRPr>
+          </a:p>
+        </p:txBody>
+      </p:sp>
+      <p:sp>
+        <p:nvSpPr>
+          <p:cNvPr id="9" name="Caixa de Texto 8"/>
+          <p:cNvSpPr txBox="1"/>
+          <p:nvPr/>
+        </p:nvSpPr>
+        <p:spPr>
+          <a:xfrm>
+            <a:off x="4057650" y="2969260"/>
+            <a:ext cx="7112000" cy="1331595"/>
+          </a:xfrm>
+          <a:prstGeom prst="rect">
+            <a:avLst/>
+          </a:prstGeom>
+          <a:noFill/>
+        </p:spPr>
+        <p:txBody>
+          <a:bodyPr wrap="square" rtlCol="0">
+            <a:noAutofit/>
+          </a:bodyPr>
+          <a:p>
+            <a:pPr algn="l"/>
+            <a:r>
+              <a:rPr lang="en-US" altLang="pt-BR" sz="1100">
+                <a:latin typeface="Poppins" panose="00000500000000000000" charset="0"/>
+                <a:cs typeface="Poppins" panose="00000500000000000000" charset="0"/>
+              </a:rPr>
+              <a:t>Após pressionar Enter, você terá esta tela, pedindo o que você deseja fazer em relação ao item atual (amarelo), Mas como fica a </a:t>
+            </a:r>
+            <a:r>
+              <a:rPr lang="en-US" altLang="pt-BR" sz="1100">
+                <a:solidFill>
+                  <a:srgbClr val="00B0F0"/>
+                </a:solidFill>
+                <a:latin typeface="Poppins" panose="00000500000000000000" charset="0"/>
+                <a:cs typeface="Poppins" panose="00000500000000000000" charset="0"/>
+              </a:rPr>
+              <a:t>VMWare</a:t>
+            </a:r>
+            <a:r>
+              <a:rPr lang="en-US" altLang="pt-BR" sz="1100">
+                <a:latin typeface="Poppins" panose="00000500000000000000" charset="0"/>
+                <a:cs typeface="Poppins" panose="00000500000000000000" charset="0"/>
+              </a:rPr>
+              <a:t> (srvhvm04apg) que colocamos após a virgula? Simples, após realizar os procedimentos referente ao item atual, iremos para o próximo item, a VMWare. Selecione a opção “Criar novo report” para iniciarmos os procedimentos relacionados ao primeiro item (A unidade).</a:t>
+            </a:r>
+            <a:endParaRPr lang="en-US" altLang="pt-BR" sz="1100">
+              <a:latin typeface="Poppins" panose="00000500000000000000" charset="0"/>
+              <a:cs typeface="Poppins" panose="00000500000000000000" charset="0"/>
+            </a:endParaRPr>
+          </a:p>
+          <a:p>
+            <a:pPr algn="l"/>
+            <a:endParaRPr lang="en-US" altLang="pt-BR" sz="1100">
+              <a:latin typeface="Poppins" panose="00000500000000000000" charset="0"/>
+              <a:cs typeface="Poppins" panose="00000500000000000000" charset="0"/>
+            </a:endParaRPr>
+          </a:p>
+          <a:p>
+            <a:pPr algn="l"/>
+            <a:r>
+              <a:rPr lang="en-US" altLang="pt-BR" sz="1100">
+                <a:latin typeface="Poppins" panose="00000500000000000000" charset="0"/>
+                <a:cs typeface="Poppins" panose="00000500000000000000" charset="0"/>
+              </a:rPr>
+              <a:t>Também é possível copiar dados simples do item atual, como Hostname, ip e localização.</a:t>
+            </a:r>
+            <a:endParaRPr lang="en-US" altLang="pt-BR" sz="1100">
+              <a:latin typeface="Poppins" panose="00000500000000000000" charset="0"/>
+              <a:cs typeface="Poppins" panose="00000500000000000000" charset="0"/>
+            </a:endParaRPr>
+          </a:p>
+        </p:txBody>
+      </p:sp>
+      <p:pic>
+        <p:nvPicPr>
+          <p:cNvPr id="10" name="Imagem 9"/>
+          <p:cNvPicPr>
+            <a:picLocks noChangeAspect="1"/>
+          </p:cNvPicPr>
+          <p:nvPr/>
+        </p:nvPicPr>
+        <p:blipFill>
+          <a:blip r:embed="rId2"/>
+          <a:stretch>
+            <a:fillRect/>
+          </a:stretch>
+        </p:blipFill>
+        <p:spPr>
+          <a:xfrm>
+            <a:off x="383540" y="2969260"/>
+            <a:ext cx="3580130" cy="1899920"/>
+          </a:xfrm>
+          <a:prstGeom prst="rect">
+            <a:avLst/>
+          </a:prstGeom>
+        </p:spPr>
+      </p:pic>
+      <p:pic>
+        <p:nvPicPr>
+          <p:cNvPr id="16" name="Imagem 15"/>
+          <p:cNvPicPr>
+            <a:picLocks noChangeAspect="1"/>
+          </p:cNvPicPr>
+          <p:nvPr/>
+        </p:nvPicPr>
+        <p:blipFill>
+          <a:blip r:embed="rId3"/>
+          <a:stretch>
+            <a:fillRect/>
+          </a:stretch>
+        </p:blipFill>
+        <p:spPr>
+          <a:xfrm>
+            <a:off x="382905" y="4907915"/>
+            <a:ext cx="3580130" cy="1742440"/>
+          </a:xfrm>
+          <a:prstGeom prst="rect">
+            <a:avLst/>
+          </a:prstGeom>
+        </p:spPr>
+      </p:pic>
+      <p:sp>
+        <p:nvSpPr>
+          <p:cNvPr id="17" name="Caixa de Texto 16"/>
+          <p:cNvSpPr txBox="1"/>
+          <p:nvPr/>
+        </p:nvSpPr>
+        <p:spPr>
+          <a:xfrm>
+            <a:off x="4057650" y="4907915"/>
+            <a:ext cx="7112000" cy="1331595"/>
+          </a:xfrm>
+          <a:prstGeom prst="rect">
+            <a:avLst/>
+          </a:prstGeom>
+          <a:noFill/>
+        </p:spPr>
+        <p:txBody>
+          <a:bodyPr wrap="square" rtlCol="0">
+            <a:noAutofit/>
+          </a:bodyPr>
+          <a:p>
+            <a:pPr algn="l"/>
+            <a:r>
+              <a:rPr lang="en-US" altLang="pt-BR" sz="1100">
+                <a:latin typeface="Poppins" panose="00000500000000000000" charset="0"/>
+                <a:cs typeface="Poppins" panose="00000500000000000000" charset="0"/>
+              </a:rPr>
+              <a:t>Aqui temos vários tipos de incidentes e problemas que podem acontecer em relação ao item, selecione o que mais se encaixa na sua situação, neste caso iremos utilziar o numero [1] Queda.</a:t>
+            </a:r>
+            <a:endParaRPr lang="en-US" altLang="pt-BR" sz="1100">
+              <a:latin typeface="Poppins" panose="00000500000000000000" charset="0"/>
+              <a:cs typeface="Poppins" panose="00000500000000000000" charset="0"/>
+            </a:endParaRPr>
+          </a:p>
+          <a:p>
+            <a:pPr algn="l"/>
+            <a:endParaRPr lang="en-US" altLang="pt-BR" sz="1100">
+              <a:latin typeface="Poppins" panose="00000500000000000000" charset="0"/>
+              <a:cs typeface="Poppins" panose="00000500000000000000" charset="0"/>
+            </a:endParaRPr>
+          </a:p>
+          <a:p>
+            <a:pPr algn="l"/>
+            <a:endParaRPr lang="en-US" altLang="pt-BR" sz="1100">
+              <a:latin typeface="Poppins" panose="00000500000000000000" charset="0"/>
+              <a:cs typeface="Poppins" panose="00000500000000000000" charset="0"/>
+            </a:endParaRPr>
+          </a:p>
+        </p:txBody>
+      </p:sp>
+    </p:spTree>
+  </p:cSld>
+  <p:clrMapOvr>
+    <a:masterClrMapping/>
+  </p:clrMapOvr>
+</p:sld>
+</file>
+
+<file path=ppt/slides/slide8.xml><?xml version="1.0" encoding="utf-8"?>
+<p:sld xmlns:a="http://schemas.openxmlformats.org/drawingml/2006/main" xmlns:r="http://schemas.openxmlformats.org/officeDocument/2006/relationships" xmlns:p="http://schemas.openxmlformats.org/presentationml/2006/main">
+  <p:cSld>
+    <p:spTree>
+      <p:nvGrpSpPr>
+        <p:cNvPr id="1" name=""/>
+        <p:cNvGrpSpPr/>
+        <p:nvPr/>
+      </p:nvGrpSpPr>
+      <p:grpSpPr/>
+      <p:sp>
+        <p:nvSpPr>
+          <p:cNvPr id="2" name="Caixa de Texto 1"/>
+          <p:cNvSpPr txBox="1"/>
+          <p:nvPr/>
+        </p:nvSpPr>
+        <p:spPr>
+          <a:xfrm>
+            <a:off x="2751455" y="87630"/>
+            <a:ext cx="6689090" cy="406400"/>
+          </a:xfrm>
+          <a:prstGeom prst="rect">
+            <a:avLst/>
+          </a:prstGeom>
+          <a:noFill/>
+        </p:spPr>
+        <p:txBody>
+          <a:bodyPr wrap="square" rtlCol="0">
+            <a:noAutofit/>
+          </a:bodyPr>
+          <a:p>
+            <a:pPr algn="ctr"/>
+            <a:r>
+              <a:rPr lang="en-US" altLang="pt-BR" sz="2400">
+                <a:latin typeface="Poppins SemiBold" panose="00000700000000000000" charset="0"/>
+                <a:cs typeface="Poppins SemiBold" panose="00000700000000000000" charset="0"/>
+              </a:rPr>
+              <a:t>Opção [1] Queda</a:t>
+            </a:r>
+            <a:endParaRPr lang="en-US" altLang="pt-BR" sz="2400">
+              <a:latin typeface="Poppins SemiBold" panose="00000700000000000000" charset="0"/>
+              <a:cs typeface="Poppins SemiBold" panose="00000700000000000000" charset="0"/>
+            </a:endParaRPr>
+          </a:p>
+        </p:txBody>
+      </p:sp>
+      <p:sp>
+        <p:nvSpPr>
+          <p:cNvPr id="3" name="Caixa de Texto 2"/>
+          <p:cNvSpPr txBox="1"/>
+          <p:nvPr/>
+        </p:nvSpPr>
+        <p:spPr>
+          <a:xfrm>
+            <a:off x="383540" y="630555"/>
+            <a:ext cx="11424285" cy="311150"/>
+          </a:xfrm>
+          <a:prstGeom prst="rect">
+            <a:avLst/>
+          </a:prstGeom>
+          <a:noFill/>
+        </p:spPr>
+        <p:txBody>
+          <a:bodyPr wrap="square" rtlCol="0">
+            <a:noAutofit/>
+          </a:bodyPr>
+          <a:p>
+            <a:pPr algn="ctr"/>
+            <a:r>
+              <a:rPr lang="en-US" altLang="pt-BR" sz="1400">
+                <a:latin typeface="Poppins" panose="00000500000000000000" charset="0"/>
+                <a:cs typeface="Poppins" panose="00000500000000000000" charset="0"/>
+              </a:rPr>
+              <a:t>Aqui teremos tudo que é necessário em relação ao item que está sendo reportado no momento</a:t>
+            </a:r>
+            <a:endParaRPr lang="en-US" altLang="pt-BR" sz="1400">
+              <a:latin typeface="Poppins" panose="00000500000000000000" charset="0"/>
+              <a:cs typeface="Poppins" panose="00000500000000000000" charset="0"/>
+            </a:endParaRPr>
+          </a:p>
+        </p:txBody>
+      </p:sp>
+      <p:pic>
+        <p:nvPicPr>
+          <p:cNvPr id="6" name="Imagem 5"/>
+          <p:cNvPicPr>
+            <a:picLocks noChangeAspect="1"/>
+          </p:cNvPicPr>
+          <p:nvPr/>
+        </p:nvPicPr>
+        <p:blipFill>
+          <a:blip r:embed="rId1"/>
+          <a:stretch>
+            <a:fillRect/>
+          </a:stretch>
+        </p:blipFill>
+        <p:spPr>
+          <a:xfrm>
+            <a:off x="180975" y="1311910"/>
+            <a:ext cx="4095750" cy="1685925"/>
+          </a:xfrm>
+          <a:prstGeom prst="rect">
+            <a:avLst/>
+          </a:prstGeom>
+        </p:spPr>
+      </p:pic>
+      <p:sp>
+        <p:nvSpPr>
+          <p:cNvPr id="8" name="Caixa de Texto 7"/>
+          <p:cNvSpPr txBox="1"/>
+          <p:nvPr/>
+        </p:nvSpPr>
+        <p:spPr>
+          <a:xfrm>
+            <a:off x="4406265" y="1245235"/>
+            <a:ext cx="7112000" cy="1685925"/>
+          </a:xfrm>
+          <a:prstGeom prst="rect">
+            <a:avLst/>
+          </a:prstGeom>
+          <a:noFill/>
+        </p:spPr>
+        <p:txBody>
+          <a:bodyPr wrap="square" rtlCol="0">
+            <a:noAutofit/>
+          </a:bodyPr>
+          <a:p>
+            <a:pPr algn="l"/>
+            <a:r>
+              <a:rPr lang="en-US" altLang="pt-BR" sz="1200">
+                <a:latin typeface="Poppins" panose="00000500000000000000" charset="0"/>
+                <a:cs typeface="Poppins" panose="00000500000000000000" charset="0"/>
+              </a:rPr>
+              <a:t>Aqui temos 4 opções disponíveis, sendo as [1] e [2] de conclusão, e as [3] e [4] de ferramentas.</a:t>
+            </a:r>
+            <a:endParaRPr lang="en-US" altLang="pt-BR" sz="1200">
+              <a:latin typeface="Poppins" panose="00000500000000000000" charset="0"/>
+              <a:cs typeface="Poppins" panose="00000500000000000000" charset="0"/>
+            </a:endParaRPr>
+          </a:p>
+          <a:p>
+            <a:pPr algn="l"/>
+            <a:endParaRPr lang="en-US" altLang="pt-BR" sz="1200">
+              <a:latin typeface="Poppins" panose="00000500000000000000" charset="0"/>
+              <a:cs typeface="Poppins" panose="00000500000000000000" charset="0"/>
+            </a:endParaRPr>
+          </a:p>
+          <a:p>
+            <a:pPr algn="l"/>
+            <a:r>
+              <a:rPr lang="en-US" altLang="pt-BR" sz="1200">
+                <a:latin typeface="Poppins" panose="00000500000000000000" charset="0"/>
+                <a:cs typeface="Poppins" panose="00000500000000000000" charset="0"/>
+              </a:rPr>
+              <a:t>No caso das </a:t>
+            </a:r>
+            <a:r>
+              <a:rPr lang="en-US" altLang="pt-BR" sz="1200">
+                <a:solidFill>
+                  <a:srgbClr val="00B050"/>
+                </a:solidFill>
+                <a:latin typeface="Poppins" panose="00000500000000000000" charset="0"/>
+                <a:cs typeface="Poppins" panose="00000500000000000000" charset="0"/>
+              </a:rPr>
+              <a:t>Unidades</a:t>
+            </a:r>
+            <a:r>
+              <a:rPr lang="en-US" altLang="pt-BR" sz="1200">
+                <a:latin typeface="Poppins" panose="00000500000000000000" charset="0"/>
+                <a:cs typeface="Poppins" panose="00000500000000000000" charset="0"/>
+              </a:rPr>
+              <a:t>, precisamos verificar se o acesso SHH (PuTTY) é possível, então podemos copiar o IP da mesma e abrir manualmente o PuTTY (opção [3])</a:t>
+            </a:r>
+            <a:endParaRPr lang="en-US" altLang="pt-BR" sz="1200">
+              <a:latin typeface="Poppins" panose="00000500000000000000" charset="0"/>
+              <a:cs typeface="Poppins" panose="00000500000000000000" charset="0"/>
+            </a:endParaRPr>
+          </a:p>
+          <a:p>
+            <a:pPr algn="l"/>
+            <a:r>
+              <a:rPr lang="en-US" altLang="pt-BR" sz="1200">
+                <a:latin typeface="Poppins" panose="00000500000000000000" charset="0"/>
+                <a:cs typeface="Poppins" panose="00000500000000000000" charset="0"/>
+              </a:rPr>
+              <a:t>ou Copiar o IP e abrir o PuTTY automaticamente, bastando colar o IP no mesmo.</a:t>
+            </a:r>
+            <a:endParaRPr lang="en-US" altLang="pt-BR" sz="1200">
+              <a:latin typeface="Poppins" panose="00000500000000000000" charset="0"/>
+              <a:cs typeface="Poppins" panose="00000500000000000000" charset="0"/>
+            </a:endParaRPr>
+          </a:p>
+          <a:p>
+            <a:pPr algn="l"/>
+            <a:endParaRPr lang="en-US" altLang="pt-BR" sz="1200">
+              <a:latin typeface="Poppins" panose="00000500000000000000" charset="0"/>
+              <a:cs typeface="Poppins" panose="00000500000000000000" charset="0"/>
+            </a:endParaRPr>
+          </a:p>
+          <a:p>
+            <a:pPr algn="l"/>
+            <a:r>
+              <a:rPr lang="en-US" altLang="pt-BR" sz="1200">
+                <a:latin typeface="Poppins" panose="00000500000000000000" charset="0"/>
+                <a:cs typeface="Poppins" panose="00000500000000000000" charset="0"/>
+              </a:rPr>
+              <a:t>Após isso o programa continuará na mesma tela, e você poderá selecionar as opções [1] ou [2].</a:t>
+            </a:r>
+            <a:endParaRPr lang="en-US" altLang="pt-BR" sz="1200">
+              <a:latin typeface="Poppins" panose="00000500000000000000" charset="0"/>
+              <a:cs typeface="Poppins" panose="00000500000000000000" charset="0"/>
+            </a:endParaRPr>
+          </a:p>
+        </p:txBody>
+      </p:sp>
+      <p:pic>
+        <p:nvPicPr>
+          <p:cNvPr id="9" name="Imagem 8"/>
+          <p:cNvPicPr>
+            <a:picLocks noChangeAspect="1"/>
+          </p:cNvPicPr>
+          <p:nvPr/>
+        </p:nvPicPr>
+        <p:blipFill>
+          <a:blip r:embed="rId2"/>
+          <a:stretch>
+            <a:fillRect/>
+          </a:stretch>
+        </p:blipFill>
+        <p:spPr>
+          <a:xfrm>
+            <a:off x="180975" y="3136900"/>
+            <a:ext cx="4109085" cy="1417320"/>
+          </a:xfrm>
+          <a:prstGeom prst="rect">
+            <a:avLst/>
+          </a:prstGeom>
+        </p:spPr>
+      </p:pic>
+      <p:sp>
+        <p:nvSpPr>
+          <p:cNvPr id="10" name="Caixa de Texto 9"/>
+          <p:cNvSpPr txBox="1"/>
+          <p:nvPr/>
+        </p:nvSpPr>
+        <p:spPr>
+          <a:xfrm>
+            <a:off x="4406265" y="3155950"/>
+            <a:ext cx="7112000" cy="1398270"/>
+          </a:xfrm>
+          <a:prstGeom prst="rect">
+            <a:avLst/>
+          </a:prstGeom>
+          <a:noFill/>
+        </p:spPr>
+        <p:txBody>
+          <a:bodyPr wrap="square" rtlCol="0">
+            <a:noAutofit/>
+          </a:bodyPr>
+          <a:p>
+            <a:pPr algn="l"/>
+            <a:r>
+              <a:rPr lang="en-US" altLang="pt-BR" sz="1200">
+                <a:latin typeface="Poppins" panose="00000500000000000000" charset="0"/>
+                <a:cs typeface="Poppins" panose="00000500000000000000" charset="0"/>
+              </a:rPr>
+              <a:t>No caso das </a:t>
+            </a:r>
+            <a:r>
+              <a:rPr lang="en-US" altLang="pt-BR" sz="1200">
+                <a:solidFill>
+                  <a:srgbClr val="00B0F0"/>
+                </a:solidFill>
+                <a:latin typeface="Poppins" panose="00000500000000000000" charset="0"/>
+                <a:cs typeface="Poppins" panose="00000500000000000000" charset="0"/>
+              </a:rPr>
+              <a:t>VMWares</a:t>
+            </a:r>
+            <a:r>
+              <a:rPr lang="en-US" altLang="pt-BR" sz="1200">
+                <a:latin typeface="Poppins" panose="00000500000000000000" charset="0"/>
+                <a:cs typeface="Poppins" panose="00000500000000000000" charset="0"/>
+              </a:rPr>
+              <a:t>, precisamos verificar o acesso no navegador &lt;ip&gt;/ui para descobrir possíveis problemas relacionados a mesma, então podemos gerar uma url com o &lt;ip&gt;/ui selecionando a opção [3], ou até mesmo abrir a url diretamente no seu navegador padrão com a opção [4].</a:t>
+            </a:r>
+            <a:endParaRPr lang="en-US" altLang="pt-BR" sz="1200">
+              <a:latin typeface="Poppins" panose="00000500000000000000" charset="0"/>
+              <a:cs typeface="Poppins" panose="00000500000000000000" charset="0"/>
+            </a:endParaRPr>
+          </a:p>
+          <a:p>
+            <a:pPr algn="l"/>
+            <a:endParaRPr lang="en-US" altLang="pt-BR" sz="1200">
+              <a:latin typeface="Poppins" panose="00000500000000000000" charset="0"/>
+              <a:cs typeface="Poppins" panose="00000500000000000000" charset="0"/>
+            </a:endParaRPr>
+          </a:p>
+          <a:p>
+            <a:pPr algn="l"/>
+            <a:r>
+              <a:rPr lang="en-US" altLang="pt-BR" sz="1200">
+                <a:latin typeface="Poppins" panose="00000500000000000000" charset="0"/>
+                <a:cs typeface="Poppins" panose="00000500000000000000" charset="0"/>
+              </a:rPr>
+              <a:t>Após isso o programa continuará na mesma tela, e você poderá selecionar as opções [1] ou [2].</a:t>
+            </a:r>
+            <a:endParaRPr lang="en-US" altLang="pt-BR" sz="1200">
+              <a:latin typeface="Poppins" panose="00000500000000000000" charset="0"/>
+              <a:cs typeface="Poppins" panose="00000500000000000000" charset="0"/>
+            </a:endParaRPr>
+          </a:p>
+        </p:txBody>
+      </p:sp>
+      <p:sp>
+        <p:nvSpPr>
+          <p:cNvPr id="11" name="Caixa de Texto 10"/>
+          <p:cNvSpPr txBox="1"/>
+          <p:nvPr/>
+        </p:nvSpPr>
+        <p:spPr>
+          <a:xfrm>
+            <a:off x="2328545" y="5337810"/>
+            <a:ext cx="7112000" cy="777875"/>
+          </a:xfrm>
+          <a:prstGeom prst="rect">
+            <a:avLst/>
+          </a:prstGeom>
+          <a:noFill/>
+        </p:spPr>
+        <p:txBody>
+          <a:bodyPr wrap="square" rtlCol="0">
+            <a:noAutofit/>
+          </a:bodyPr>
+          <a:p>
+            <a:pPr algn="ctr"/>
+            <a:r>
+              <a:rPr lang="en-US" altLang="pt-BR" sz="1400" b="1">
+                <a:latin typeface="Poppins" panose="00000500000000000000" charset="0"/>
+                <a:cs typeface="Poppins" panose="00000500000000000000" charset="0"/>
+              </a:rPr>
+              <a:t>Em desenvolvimeto:</a:t>
+            </a:r>
+            <a:r>
+              <a:rPr lang="en-US" altLang="pt-BR" sz="1400">
+                <a:latin typeface="Poppins" panose="00000500000000000000" charset="0"/>
+                <a:cs typeface="Poppins" panose="00000500000000000000" charset="0"/>
+              </a:rPr>
+              <a:t> parte que envolve docker restart &lt;container_name&gt; no caso de a </a:t>
+            </a:r>
+            <a:r>
+              <a:rPr lang="en-US" altLang="pt-BR" sz="1400">
+                <a:solidFill>
+                  <a:srgbClr val="00B050"/>
+                </a:solidFill>
+                <a:latin typeface="Poppins" panose="00000500000000000000" charset="0"/>
+                <a:cs typeface="Poppins" panose="00000500000000000000" charset="0"/>
+              </a:rPr>
+              <a:t>unidade</a:t>
+            </a:r>
+            <a:r>
+              <a:rPr lang="en-US" altLang="pt-BR" sz="1400">
+                <a:latin typeface="Poppins" panose="00000500000000000000" charset="0"/>
+                <a:cs typeface="Poppins" panose="00000500000000000000" charset="0"/>
+              </a:rPr>
+              <a:t> ficar em pé, e sua </a:t>
+            </a:r>
+            <a:r>
+              <a:rPr lang="en-US" altLang="pt-BR" sz="1400">
+                <a:solidFill>
+                  <a:srgbClr val="00B0F0"/>
+                </a:solidFill>
+                <a:latin typeface="Poppins" panose="00000500000000000000" charset="0"/>
+                <a:cs typeface="Poppins" panose="00000500000000000000" charset="0"/>
+              </a:rPr>
+              <a:t>VMWare</a:t>
+            </a:r>
+            <a:r>
+              <a:rPr lang="en-US" altLang="pt-BR" sz="1400">
+                <a:latin typeface="Poppins" panose="00000500000000000000" charset="0"/>
+                <a:cs typeface="Poppins" panose="00000500000000000000" charset="0"/>
+              </a:rPr>
+              <a:t> cair.</a:t>
+            </a:r>
+            <a:endParaRPr lang="en-US" altLang="pt-BR" sz="1400">
+              <a:latin typeface="Poppins" panose="00000500000000000000" charset="0"/>
+              <a:cs typeface="Poppins" panose="00000500000000000000" charset="0"/>
+            </a:endParaRPr>
+          </a:p>
+        </p:txBody>
+      </p:sp>
+    </p:spTree>
+  </p:cSld>
+  <p:clrMapOvr>
+    <a:masterClrMapping/>
+  </p:clrMapOvr>
+</p:sld>
+</file>
+
+<file path=ppt/slides/slide9.xml><?xml version="1.0" encoding="utf-8"?>
+<p:sld xmlns:a="http://schemas.openxmlformats.org/drawingml/2006/main" xmlns:r="http://schemas.openxmlformats.org/officeDocument/2006/relationships" xmlns:p="http://schemas.openxmlformats.org/presentationml/2006/main">
+  <p:cSld>
+    <p:spTree>
+      <p:nvGrpSpPr>
+        <p:cNvPr id="1" name=""/>
+        <p:cNvGrpSpPr/>
+        <p:nvPr/>
+      </p:nvGrpSpPr>
+      <p:grpSpPr/>
+      <p:sp>
+        <p:nvSpPr>
+          <p:cNvPr id="2" name="Caixa de Texto 1"/>
+          <p:cNvSpPr txBox="1"/>
+          <p:nvPr/>
+        </p:nvSpPr>
+        <p:spPr>
+          <a:xfrm>
+            <a:off x="2514600" y="87630"/>
+            <a:ext cx="7163435" cy="406400"/>
+          </a:xfrm>
+          <a:prstGeom prst="rect">
+            <a:avLst/>
+          </a:prstGeom>
+          <a:noFill/>
+        </p:spPr>
+        <p:txBody>
+          <a:bodyPr wrap="square" rtlCol="0">
+            <a:noAutofit/>
+          </a:bodyPr>
+          <a:p>
+            <a:pPr algn="ctr"/>
+            <a:r>
+              <a:rPr lang="en-US" altLang="pt-BR" sz="2400">
+                <a:latin typeface="Poppins SemiBold" panose="00000700000000000000" charset="0"/>
+                <a:cs typeface="Poppins SemiBold" panose="00000700000000000000" charset="0"/>
+              </a:rPr>
+              <a:t>Opções de performance [2,3,4,5,6,7]</a:t>
+            </a:r>
+            <a:endParaRPr lang="en-US" altLang="pt-BR" sz="2400">
+              <a:latin typeface="Poppins SemiBold" panose="00000700000000000000" charset="0"/>
+              <a:cs typeface="Poppins SemiBold" panose="00000700000000000000" charset="0"/>
+            </a:endParaRPr>
+          </a:p>
+        </p:txBody>
+      </p:sp>
+      <p:sp>
+        <p:nvSpPr>
+          <p:cNvPr id="3" name="Caixa de Texto 2"/>
+          <p:cNvSpPr txBox="1"/>
+          <p:nvPr/>
+        </p:nvSpPr>
+        <p:spPr>
+          <a:xfrm>
+            <a:off x="383540" y="630555"/>
+            <a:ext cx="11424285" cy="311150"/>
+          </a:xfrm>
+          <a:prstGeom prst="rect">
+            <a:avLst/>
+          </a:prstGeom>
+          <a:noFill/>
+        </p:spPr>
+        <p:txBody>
+          <a:bodyPr wrap="square" rtlCol="0">
+            <a:noAutofit/>
+          </a:bodyPr>
+          <a:p>
+            <a:pPr algn="ctr"/>
+            <a:r>
+              <a:rPr lang="en-US" altLang="pt-BR" sz="1400">
+                <a:latin typeface="Poppins" panose="00000500000000000000" charset="0"/>
+                <a:cs typeface="Poppins" panose="00000500000000000000" charset="0"/>
+              </a:rPr>
+              <a:t>Aqui teremos tudo que é necessário em relação ao item que está sendo reportado no momento</a:t>
+            </a:r>
+            <a:endParaRPr lang="en-US" altLang="pt-BR" sz="1400">
+              <a:latin typeface="Poppins" panose="00000500000000000000" charset="0"/>
+              <a:cs typeface="Poppins" panose="00000500000000000000" charset="0"/>
             </a:endParaRPr>
           </a:p>
         </p:txBody>
@@ -3719,20 +5614,231 @@
         </p:blipFill>
         <p:spPr>
           <a:xfrm>
-            <a:off x="739775" y="2479675"/>
-            <a:ext cx="3387725" cy="2078990"/>
+            <a:off x="383540" y="1011555"/>
+            <a:ext cx="3589020" cy="1538605"/>
           </a:xfrm>
           <a:prstGeom prst="rect">
             <a:avLst/>
           </a:prstGeom>
         </p:spPr>
       </p:pic>
+      <p:pic>
+        <p:nvPicPr>
+          <p:cNvPr id="5" name="Imagem 4"/>
+          <p:cNvPicPr>
+            <a:picLocks noChangeAspect="1"/>
+          </p:cNvPicPr>
+          <p:nvPr/>
+        </p:nvPicPr>
+        <p:blipFill>
+          <a:blip r:embed="rId2"/>
+          <a:stretch>
+            <a:fillRect/>
+          </a:stretch>
+        </p:blipFill>
+        <p:spPr>
+          <a:xfrm>
+            <a:off x="383540" y="2667635"/>
+            <a:ext cx="8949690" cy="721995"/>
+          </a:xfrm>
+          <a:prstGeom prst="rect">
+            <a:avLst/>
+          </a:prstGeom>
+        </p:spPr>
+      </p:pic>
+      <p:sp>
+        <p:nvSpPr>
+          <p:cNvPr id="8" name="Caixa de Texto 7"/>
+          <p:cNvSpPr txBox="1"/>
+          <p:nvPr/>
+        </p:nvSpPr>
+        <p:spPr>
+          <a:xfrm>
+            <a:off x="4039870" y="1078230"/>
+            <a:ext cx="7687310" cy="1487805"/>
+          </a:xfrm>
+          <a:prstGeom prst="rect">
+            <a:avLst/>
+          </a:prstGeom>
+          <a:noFill/>
+        </p:spPr>
+        <p:txBody>
+          <a:bodyPr wrap="square" rtlCol="0">
+            <a:noAutofit/>
+          </a:bodyPr>
+          <a:p>
+            <a:pPr algn="l"/>
+            <a:r>
+              <a:rPr lang="en-US" altLang="pt-BR" sz="1200">
+                <a:latin typeface="Poppins" panose="00000500000000000000" charset="0"/>
+                <a:cs typeface="Poppins" panose="00000500000000000000" charset="0"/>
+              </a:rPr>
+              <a:t>Neste exemplo, estamos criando um report de performance para uma </a:t>
+            </a:r>
+            <a:r>
+              <a:rPr lang="en-US" altLang="pt-BR" sz="1200">
+                <a:solidFill>
+                  <a:srgbClr val="00B0F0"/>
+                </a:solidFill>
+                <a:latin typeface="Poppins" panose="00000500000000000000" charset="0"/>
+                <a:cs typeface="Poppins" panose="00000500000000000000" charset="0"/>
+              </a:rPr>
+              <a:t>VMWare</a:t>
+            </a:r>
+            <a:r>
+              <a:rPr lang="en-US" altLang="pt-BR" sz="1200">
+                <a:latin typeface="Poppins" panose="00000500000000000000" charset="0"/>
+                <a:cs typeface="Poppins" panose="00000500000000000000" charset="0"/>
+              </a:rPr>
+              <a:t> (SRVHVM002PDL) selecionamos todos os itens de 2 a 7, simultaneamente, e teremos no texto de report o resultado final como na imagem abaixo, pronto para ser postado no Mattermost. Claro que raramente teremos casos como este, mas a ideia é mostrar que é possivel juntar varios problemas em um unico item, sem ter que especificar 1 por 1.</a:t>
+            </a:r>
+            <a:endParaRPr lang="en-US" altLang="pt-BR" sz="1200">
+              <a:latin typeface="Poppins" panose="00000500000000000000" charset="0"/>
+              <a:cs typeface="Poppins" panose="00000500000000000000" charset="0"/>
+            </a:endParaRPr>
+          </a:p>
+        </p:txBody>
+      </p:sp>
+      <p:graphicFrame>
+        <p:nvGraphicFramePr>
+          <p:cNvPr id="9" name="Objeto 8"/>
+          <p:cNvGraphicFramePr/>
+          <p:nvPr/>
+        </p:nvGraphicFramePr>
+        <p:xfrm>
+          <a:off x="383540" y="3481705"/>
+          <a:ext cx="3588385" cy="2277110"/>
+        </p:xfrm>
+        <a:graphic>
+          <a:graphicData uri="http://schemas.openxmlformats.org/presentationml/2006/ole">
+            <mc:AlternateContent xmlns:mc="http://schemas.openxmlformats.org/markup-compatibility/2006">
+              <mc:Choice xmlns:v="urn:schemas-microsoft-com:vml" Requires="v">
+                <p:oleObj spid="_x0000_s10" name="" r:id="rId3" imgW="4972050" imgH="3533775" progId="Paint.Picture">
+                  <p:embed/>
+                </p:oleObj>
+              </mc:Choice>
+              <mc:Fallback>
+                <p:oleObj name="" r:id="rId3" imgW="4972050" imgH="3533775" progId="Paint.Picture">
+                  <p:embed/>
+                  <p:pic>
+                    <p:nvPicPr>
+                      <p:cNvPr id="0" name="Imagem 9"/>
+                      <p:cNvPicPr/>
+                      <p:nvPr/>
+                    </p:nvPicPr>
+                    <p:blipFill>
+                      <a:blip r:embed="rId4"/>
+                      <a:stretch>
+                        <a:fillRect/>
+                      </a:stretch>
+                    </p:blipFill>
+                    <p:spPr>
+                      <a:xfrm>
+                        <a:off x="383540" y="3481705"/>
+                        <a:ext cx="3588385" cy="2277110"/>
+                      </a:xfrm>
+                      <a:prstGeom prst="rect">
+                        <a:avLst/>
+                      </a:prstGeom>
+                    </p:spPr>
+                  </p:pic>
+                </p:oleObj>
+              </mc:Fallback>
+            </mc:AlternateContent>
+          </a:graphicData>
+        </a:graphic>
+      </p:graphicFrame>
+      <p:pic>
+        <p:nvPicPr>
+          <p:cNvPr id="13" name="Imagem 12"/>
+          <p:cNvPicPr>
+            <a:picLocks noChangeAspect="1"/>
+          </p:cNvPicPr>
+          <p:nvPr/>
+        </p:nvPicPr>
+        <p:blipFill>
+          <a:blip r:embed="rId5"/>
+          <a:stretch>
+            <a:fillRect/>
+          </a:stretch>
+        </p:blipFill>
+        <p:spPr>
+          <a:xfrm>
+            <a:off x="383540" y="5884545"/>
+            <a:ext cx="4478655" cy="722630"/>
+          </a:xfrm>
+          <a:prstGeom prst="rect">
+            <a:avLst/>
+          </a:prstGeom>
+        </p:spPr>
+      </p:pic>
+      <p:sp>
+        <p:nvSpPr>
+          <p:cNvPr id="14" name="Caixa de Texto 13"/>
+          <p:cNvSpPr txBox="1"/>
+          <p:nvPr/>
+        </p:nvSpPr>
+        <p:spPr>
+          <a:xfrm>
+            <a:off x="4039870" y="3481070"/>
+            <a:ext cx="7687310" cy="1487805"/>
+          </a:xfrm>
+          <a:prstGeom prst="rect">
+            <a:avLst/>
+          </a:prstGeom>
+          <a:noFill/>
+        </p:spPr>
+        <p:txBody>
+          <a:bodyPr wrap="square" rtlCol="0">
+            <a:noAutofit/>
+          </a:bodyPr>
+          <a:p>
+            <a:pPr algn="l"/>
+            <a:r>
+              <a:rPr lang="en-US" altLang="pt-BR" sz="1200">
+                <a:latin typeface="Poppins" panose="00000500000000000000" charset="0"/>
+                <a:cs typeface="Poppins" panose="00000500000000000000" charset="0"/>
+              </a:rPr>
+              <a:t>Já neste exemplo, estamos criando um report de queda para a mesma </a:t>
+            </a:r>
+            <a:r>
+              <a:rPr lang="en-US" altLang="pt-BR" sz="1200">
+                <a:solidFill>
+                  <a:srgbClr val="00B0F0"/>
+                </a:solidFill>
+                <a:latin typeface="Poppins" panose="00000500000000000000" charset="0"/>
+                <a:cs typeface="Poppins" panose="00000500000000000000" charset="0"/>
+                <a:sym typeface="+mn-ea"/>
+              </a:rPr>
+              <a:t>VMWare</a:t>
+            </a:r>
+            <a:r>
+              <a:rPr lang="en-US" altLang="pt-BR" sz="1200">
+                <a:latin typeface="Poppins" panose="00000500000000000000" charset="0"/>
+                <a:cs typeface="Poppins" panose="00000500000000000000" charset="0"/>
+                <a:sym typeface="+mn-ea"/>
+              </a:rPr>
+              <a:t> (SRVHVM002PDL) </a:t>
+            </a:r>
+            <a:r>
+              <a:rPr lang="en-US" altLang="pt-BR" sz="1200">
+                <a:latin typeface="Poppins" panose="00000500000000000000" charset="0"/>
+                <a:cs typeface="Poppins" panose="00000500000000000000" charset="0"/>
+              </a:rPr>
+              <a:t>selecionamos o item [1] Queda, pressionamos Enter, aparecerão 4 opções disponíveis sendo as duas primeiras as escolhas que vão gerar o report, e as duas ultimas ferramentas de uso, não intervem no texto de report, selecionamos então o item [2] “Tentei fazer mas não consegui acesso” com isso geraremos o texto abaixo:</a:t>
+            </a:r>
+            <a:endParaRPr lang="en-US" altLang="pt-BR" sz="1200">
+              <a:latin typeface="Poppins" panose="00000500000000000000" charset="0"/>
+              <a:cs typeface="Poppins" panose="00000500000000000000" charset="0"/>
+            </a:endParaRPr>
+          </a:p>
+        </p:txBody>
+      </p:sp>
     </p:spTree>
   </p:cSld>
   <p:clrMapOvr>
     <a:masterClrMapping/>
   </p:clrMapOvr>
-  <p:transition advTm="1124"/>
 </p:sld>
 </file>
 
